--- a/初赛ppt.pptx
+++ b/初赛ppt.pptx
@@ -48,15 +48,19 @@
       <p:regular r:id="rId26"/>
     </p:embeddedFont>
     <p:embeddedFont>
-      <p:font typeface="Calibri" panose="020F0502020204030204" charset="0"/>
+      <p:font typeface="黑体" panose="02010609060101010101" charset="-122"/>
       <p:regular r:id="rId27"/>
-      <p:bold r:id="rId28"/>
-      <p:italic r:id="rId29"/>
-      <p:boldItalic r:id="rId30"/>
     </p:embeddedFont>
     <p:embeddedFont>
-      <p:font typeface="黑体" panose="02010609060101010101" charset="-122"/>
-      <p:regular r:id="rId31"/>
+      <p:font typeface="Calibri" panose="020F0502020204030204" charset="0"/>
+      <p:regular r:id="rId28"/>
+      <p:bold r:id="rId29"/>
+      <p:italic r:id="rId30"/>
+      <p:boldItalic r:id="rId31"/>
+    </p:embeddedFont>
+    <p:embeddedFont>
+      <p:font typeface="等线" panose="02010600030101010101" charset="-122"/>
+      <p:regular r:id="rId32"/>
     </p:embeddedFont>
   </p:embeddedFontLst>
   <p:defaultTextStyle>
@@ -2407,8 +2411,8 @@
         </p:nvSpPr>
         <p:spPr>
           <a:xfrm>
-            <a:off x="493818" y="712258"/>
-            <a:ext cx="1849967" cy="567267"/>
+            <a:off x="494030" y="712470"/>
+            <a:ext cx="3427730" cy="567055"/>
           </a:xfrm>
           <a:custGeom>
             <a:avLst/>
@@ -2480,8 +2484,8 @@
         </p:nvSpPr>
         <p:spPr>
           <a:xfrm>
-            <a:off x="679662" y="844127"/>
-            <a:ext cx="1554559" cy="304800"/>
+            <a:off x="679450" y="843915"/>
+            <a:ext cx="3235960" cy="304800"/>
           </a:xfrm>
           <a:prstGeom prst="rect">
             <a:avLst/>
@@ -2498,7 +2502,7 @@
               </a:lnSpc>
             </a:pPr>
             <a:r>
-              <a:rPr lang="en-US" sz="1800" b="1" kern="0" spc="90" dirty="0">
+              <a:rPr lang="en-US" sz="2000" b="1" kern="0" spc="90" dirty="0">
                 <a:solidFill>
                   <a:srgbClr val="3D8F8A"/>
                 </a:solidFill>
@@ -2506,9 +2510,27 @@
                 <a:ea typeface="MiSans" pitchFamily="34" charset="-122"/>
                 <a:cs typeface="MiSans" pitchFamily="34" charset="-120"/>
               </a:rPr>
-              <a:t>初赛方案设计</a:t>
+              <a:t>OpenR</a:t>
             </a:r>
-            <a:endParaRPr lang="en-US" sz="1600" dirty="0"/>
+            <a:r>
+              <a:rPr lang="en-US" sz="2000" b="1" kern="0" spc="90" dirty="0">
+                <a:solidFill>
+                  <a:srgbClr val="3D8F8A"/>
+                </a:solidFill>
+                <a:latin typeface="MiSans" pitchFamily="34" charset="-122"/>
+                <a:ea typeface="MiSans" pitchFamily="34" charset="-122"/>
+                <a:cs typeface="MiSans" pitchFamily="34" charset="-120"/>
+              </a:rPr>
+              <a:t>ank初赛方案设计</a:t>
+            </a:r>
+            <a:endParaRPr lang="en-US" sz="2000" b="1" kern="0" spc="90" dirty="0">
+              <a:solidFill>
+                <a:srgbClr val="3D8F8A"/>
+              </a:solidFill>
+              <a:latin typeface="MiSans" pitchFamily="34" charset="-122"/>
+              <a:ea typeface="MiSans" pitchFamily="34" charset="-122"/>
+              <a:cs typeface="MiSans" pitchFamily="34" charset="-120"/>
+            </a:endParaRPr>
           </a:p>
         </p:txBody>
       </p:sp>
@@ -2609,1129 +2631,1196 @@
           </a:p>
         </p:txBody>
       </p:sp>
-      <p:sp>
-        <p:nvSpPr>
-          <p:cNvPr id="8" name="Shape 5"/>
-          <p:cNvSpPr/>
-          <p:nvPr/>
-        </p:nvSpPr>
-        <p:spPr>
+      <p:grpSp>
+        <p:nvGrpSpPr>
+          <p:cNvPr id="23" name="组合 22"/>
+          <p:cNvGrpSpPr/>
+          <p:nvPr>
+            <p:custDataLst>
+              <p:tags r:id="rId2"/>
+            </p:custDataLst>
+          </p:nvPr>
+        </p:nvGrpSpPr>
+        <p:grpSpPr>
           <a:xfrm>
-            <a:off x="508000" y="5246159"/>
-            <a:ext cx="609600" cy="609600"/>
+            <a:off x="531495" y="5563235"/>
+            <a:ext cx="5822315" cy="609600"/>
+            <a:chOff x="837" y="8761"/>
+            <a:chExt cx="9169" cy="960"/>
           </a:xfrm>
-          <a:custGeom>
-            <a:avLst/>
-            <a:gdLst/>
-            <a:ahLst/>
-            <a:cxnLst/>
-            <a:rect l="l" t="t" r="r" b="b"/>
-            <a:pathLst>
-              <a:path w="609600" h="609600">
-                <a:moveTo>
-                  <a:pt x="101602" y="0"/>
-                </a:moveTo>
-                <a:lnTo>
-                  <a:pt x="507998" y="0"/>
-                </a:lnTo>
-                <a:cubicBezTo>
-                  <a:pt x="564111" y="0"/>
-                  <a:pt x="609600" y="45489"/>
-                  <a:pt x="609600" y="101602"/>
-                </a:cubicBezTo>
-                <a:lnTo>
-                  <a:pt x="609600" y="507998"/>
-                </a:lnTo>
-                <a:cubicBezTo>
-                  <a:pt x="609600" y="564111"/>
-                  <a:pt x="564111" y="609600"/>
-                  <a:pt x="507998" y="609600"/>
-                </a:cubicBezTo>
-                <a:lnTo>
-                  <a:pt x="101602" y="609600"/>
-                </a:lnTo>
-                <a:cubicBezTo>
-                  <a:pt x="45489" y="609600"/>
-                  <a:pt x="0" y="564111"/>
-                  <a:pt x="0" y="507998"/>
-                </a:cubicBezTo>
-                <a:lnTo>
-                  <a:pt x="0" y="101602"/>
-                </a:lnTo>
-                <a:cubicBezTo>
-                  <a:pt x="0" y="45526"/>
-                  <a:pt x="45526" y="0"/>
-                  <a:pt x="101602" y="0"/>
-                </a:cubicBezTo>
-                <a:close/>
-              </a:path>
-            </a:pathLst>
-          </a:custGeom>
-          <a:solidFill>
-            <a:srgbClr val="3D8F8A">
-              <a:alpha val="20000"/>
-            </a:srgbClr>
-          </a:solidFill>
-        </p:spPr>
-      </p:sp>
-      <p:sp>
-        <p:nvSpPr>
-          <p:cNvPr id="9" name="Shape 6"/>
-          <p:cNvSpPr/>
-          <p:nvPr/>
-        </p:nvSpPr>
-        <p:spPr>
-          <a:xfrm>
-            <a:off x="679450" y="5398559"/>
-            <a:ext cx="266700" cy="304800"/>
-          </a:xfrm>
-          <a:custGeom>
-            <a:avLst/>
-            <a:gdLst/>
-            <a:ahLst/>
-            <a:cxnLst/>
-            <a:rect l="l" t="t" r="r" b="b"/>
-            <a:pathLst>
-              <a:path w="266700" h="304800">
-                <a:moveTo>
-                  <a:pt x="261818" y="119360"/>
-                </a:moveTo>
-                <a:cubicBezTo>
-                  <a:pt x="257235" y="100965"/>
-                  <a:pt x="248543" y="87094"/>
-                  <a:pt x="230029" y="87094"/>
-                </a:cubicBezTo>
-                <a:lnTo>
-                  <a:pt x="206157" y="87094"/>
-                </a:lnTo>
-                <a:lnTo>
-                  <a:pt x="206157" y="115312"/>
-                </a:lnTo>
-                <a:cubicBezTo>
-                  <a:pt x="206157" y="137220"/>
-                  <a:pt x="187583" y="155674"/>
-                  <a:pt x="166390" y="155674"/>
-                </a:cubicBezTo>
-                <a:lnTo>
-                  <a:pt x="102810" y="155674"/>
-                </a:lnTo>
-                <a:cubicBezTo>
-                  <a:pt x="85427" y="155674"/>
-                  <a:pt x="71021" y="170557"/>
-                  <a:pt x="71021" y="188000"/>
-                </a:cubicBezTo>
-                <a:lnTo>
-                  <a:pt x="71021" y="248603"/>
-                </a:lnTo>
-                <a:cubicBezTo>
-                  <a:pt x="71021" y="265867"/>
-                  <a:pt x="86023" y="275987"/>
-                  <a:pt x="102810" y="280928"/>
-                </a:cubicBezTo>
-                <a:cubicBezTo>
-                  <a:pt x="122932" y="286822"/>
-                  <a:pt x="142280" y="287893"/>
-                  <a:pt x="166390" y="280928"/>
-                </a:cubicBezTo>
-                <a:cubicBezTo>
-                  <a:pt x="182404" y="276285"/>
-                  <a:pt x="198180" y="266938"/>
-                  <a:pt x="198180" y="248603"/>
-                </a:cubicBezTo>
-                <a:lnTo>
-                  <a:pt x="198180" y="224373"/>
-                </a:lnTo>
-                <a:lnTo>
-                  <a:pt x="134660" y="224373"/>
-                </a:lnTo>
-                <a:lnTo>
-                  <a:pt x="134660" y="216277"/>
-                </a:lnTo>
-                <a:lnTo>
-                  <a:pt x="230029" y="216277"/>
-                </a:lnTo>
-                <a:cubicBezTo>
-                  <a:pt x="248543" y="216277"/>
-                  <a:pt x="255389" y="203359"/>
-                  <a:pt x="261818" y="184011"/>
-                </a:cubicBezTo>
-                <a:cubicBezTo>
-                  <a:pt x="268486" y="164068"/>
-                  <a:pt x="268188" y="144899"/>
-                  <a:pt x="261818" y="119360"/>
-                </a:cubicBezTo>
-                <a:close/>
-                <a:moveTo>
-                  <a:pt x="170378" y="264735"/>
-                </a:moveTo>
-                <a:cubicBezTo>
-                  <a:pt x="165848" y="265053"/>
-                  <a:pt x="161518" y="262816"/>
-                  <a:pt x="159156" y="258937"/>
-                </a:cubicBezTo>
-                <a:cubicBezTo>
-                  <a:pt x="156794" y="255057"/>
-                  <a:pt x="156794" y="250184"/>
-                  <a:pt x="159156" y="246305"/>
-                </a:cubicBezTo>
-                <a:cubicBezTo>
-                  <a:pt x="161518" y="242425"/>
-                  <a:pt x="165848" y="240188"/>
-                  <a:pt x="170378" y="240506"/>
-                </a:cubicBezTo>
-                <a:cubicBezTo>
-                  <a:pt x="174909" y="240188"/>
-                  <a:pt x="179239" y="242425"/>
-                  <a:pt x="181601" y="246305"/>
-                </a:cubicBezTo>
-                <a:cubicBezTo>
-                  <a:pt x="183963" y="250184"/>
-                  <a:pt x="183963" y="255057"/>
-                  <a:pt x="181601" y="258937"/>
-                </a:cubicBezTo>
-                <a:cubicBezTo>
-                  <a:pt x="179239" y="262816"/>
-                  <a:pt x="174909" y="265053"/>
-                  <a:pt x="170378" y="264735"/>
-                </a:cubicBezTo>
-                <a:close/>
-                <a:moveTo>
-                  <a:pt x="99893" y="147697"/>
-                </a:moveTo>
-                <a:lnTo>
-                  <a:pt x="163473" y="147697"/>
-                </a:lnTo>
-                <a:cubicBezTo>
-                  <a:pt x="181154" y="147697"/>
-                  <a:pt x="195263" y="133112"/>
-                  <a:pt x="195263" y="115372"/>
-                </a:cubicBezTo>
-                <a:lnTo>
-                  <a:pt x="195263" y="54709"/>
-                </a:lnTo>
-                <a:cubicBezTo>
-                  <a:pt x="195263" y="37445"/>
-                  <a:pt x="180737" y="24527"/>
-                  <a:pt x="163473" y="21610"/>
-                </a:cubicBezTo>
-                <a:cubicBezTo>
-                  <a:pt x="142161" y="18098"/>
-                  <a:pt x="119003" y="18276"/>
-                  <a:pt x="99893" y="21669"/>
-                </a:cubicBezTo>
-                <a:cubicBezTo>
-                  <a:pt x="72985" y="26432"/>
-                  <a:pt x="68104" y="36374"/>
-                  <a:pt x="68104" y="54769"/>
-                </a:cubicBezTo>
-                <a:lnTo>
-                  <a:pt x="68104" y="78998"/>
-                </a:lnTo>
-                <a:lnTo>
-                  <a:pt x="131743" y="78998"/>
-                </a:lnTo>
-                <a:lnTo>
-                  <a:pt x="131743" y="87094"/>
-                </a:lnTo>
-                <a:lnTo>
-                  <a:pt x="44232" y="87094"/>
-                </a:lnTo>
-                <a:cubicBezTo>
-                  <a:pt x="25718" y="87094"/>
-                  <a:pt x="9525" y="98227"/>
-                  <a:pt x="4465" y="119360"/>
-                </a:cubicBezTo>
-                <a:cubicBezTo>
-                  <a:pt x="-1369" y="143589"/>
-                  <a:pt x="-1607" y="158710"/>
-                  <a:pt x="4465" y="184011"/>
-                </a:cubicBezTo>
-                <a:cubicBezTo>
-                  <a:pt x="8989" y="202823"/>
-                  <a:pt x="19764" y="216277"/>
-                  <a:pt x="38279" y="216277"/>
-                </a:cubicBezTo>
-                <a:lnTo>
-                  <a:pt x="60127" y="216277"/>
-                </a:lnTo>
-                <a:lnTo>
-                  <a:pt x="60127" y="187226"/>
-                </a:lnTo>
-                <a:cubicBezTo>
-                  <a:pt x="60127" y="166211"/>
-                  <a:pt x="78284" y="147697"/>
-                  <a:pt x="99893" y="147697"/>
-                </a:cubicBezTo>
-                <a:close/>
-                <a:moveTo>
-                  <a:pt x="95964" y="38517"/>
-                </a:moveTo>
-                <a:cubicBezTo>
-                  <a:pt x="102667" y="38517"/>
-                  <a:pt x="108109" y="43958"/>
-                  <a:pt x="108109" y="50661"/>
-                </a:cubicBezTo>
-                <a:cubicBezTo>
-                  <a:pt x="108109" y="57364"/>
-                  <a:pt x="102667" y="62805"/>
-                  <a:pt x="95964" y="62805"/>
-                </a:cubicBezTo>
-                <a:cubicBezTo>
-                  <a:pt x="89262" y="62805"/>
-                  <a:pt x="83820" y="57364"/>
-                  <a:pt x="83820" y="50661"/>
-                </a:cubicBezTo>
-                <a:cubicBezTo>
-                  <a:pt x="83820" y="43958"/>
-                  <a:pt x="89262" y="38517"/>
-                  <a:pt x="95964" y="38517"/>
-                </a:cubicBezTo>
-                <a:close/>
-              </a:path>
-            </a:pathLst>
-          </a:custGeom>
-          <a:solidFill>
-            <a:srgbClr val="3D8F8A"/>
-          </a:solidFill>
-        </p:spPr>
-      </p:sp>
-      <p:sp>
-        <p:nvSpPr>
-          <p:cNvPr id="10" name="Text 7"/>
-          <p:cNvSpPr/>
-          <p:nvPr/>
-        </p:nvSpPr>
-        <p:spPr>
-          <a:xfrm>
-            <a:off x="1270000" y="5246159"/>
-            <a:ext cx="825500" cy="254000"/>
-          </a:xfrm>
-          <a:prstGeom prst="rect">
-            <a:avLst/>
-          </a:prstGeom>
-          <a:noFill/>
-        </p:spPr>
-        <p:txBody>
-          <a:bodyPr wrap="square" lIns="0" tIns="0" rIns="0" bIns="0" rtlCol="0" anchor="ctr"/>
-          <a:lstStyle/>
-          <a:p>
-            <a:pPr>
-              <a:lnSpc>
-                <a:spcPct val="120000"/>
-              </a:lnSpc>
-            </a:pPr>
-            <a:r>
-              <a:rPr lang="en-US" sz="1400" dirty="0">
-                <a:solidFill>
-                  <a:srgbClr val="E0E2E6">
-                    <a:alpha val="60000"/>
-                  </a:srgbClr>
-                </a:solidFill>
-                <a:latin typeface="MiSans" pitchFamily="34" charset="-122"/>
-                <a:ea typeface="MiSans" pitchFamily="34" charset="-122"/>
-                <a:cs typeface="MiSans" pitchFamily="34" charset="-120"/>
-              </a:rPr>
-              <a:t>核心语言</a:t>
-            </a:r>
-            <a:endParaRPr lang="en-US" sz="1600" dirty="0"/>
-          </a:p>
-        </p:txBody>
-      </p:sp>
-      <p:sp>
-        <p:nvSpPr>
-          <p:cNvPr id="11" name="Text 8"/>
-          <p:cNvSpPr/>
-          <p:nvPr/>
-        </p:nvSpPr>
-        <p:spPr>
-          <a:xfrm>
-            <a:off x="1270000" y="5500159"/>
-            <a:ext cx="850900" cy="355600"/>
-          </a:xfrm>
-          <a:prstGeom prst="rect">
-            <a:avLst/>
-          </a:prstGeom>
-          <a:noFill/>
-        </p:spPr>
-        <p:txBody>
-          <a:bodyPr wrap="square" lIns="0" tIns="0" rIns="0" bIns="0" rtlCol="0" anchor="ctr"/>
-          <a:lstStyle/>
-          <a:p>
-            <a:pPr>
-              <a:lnSpc>
-                <a:spcPct val="130000"/>
-              </a:lnSpc>
-            </a:pPr>
-            <a:r>
-              <a:rPr lang="en-US" sz="1800" b="1" dirty="0">
-                <a:solidFill>
-                  <a:srgbClr val="E0E2E6"/>
-                </a:solidFill>
-                <a:latin typeface="MiSans" pitchFamily="34" charset="-122"/>
-                <a:ea typeface="MiSans" pitchFamily="34" charset="-122"/>
-                <a:cs typeface="MiSans" pitchFamily="34" charset="-120"/>
-              </a:rPr>
-              <a:t>Python</a:t>
-            </a:r>
-            <a:endParaRPr lang="en-US" sz="1600" dirty="0"/>
-          </a:p>
-        </p:txBody>
-      </p:sp>
-      <p:sp>
-        <p:nvSpPr>
-          <p:cNvPr id="12" name="Shape 9"/>
-          <p:cNvSpPr/>
-          <p:nvPr/>
-        </p:nvSpPr>
-        <p:spPr>
-          <a:xfrm>
-            <a:off x="2408634" y="5246159"/>
-            <a:ext cx="609600" cy="609600"/>
-          </a:xfrm>
-          <a:custGeom>
-            <a:avLst/>
-            <a:gdLst/>
-            <a:ahLst/>
-            <a:cxnLst/>
-            <a:rect l="l" t="t" r="r" b="b"/>
-            <a:pathLst>
-              <a:path w="609600" h="609600">
-                <a:moveTo>
-                  <a:pt x="101602" y="0"/>
-                </a:moveTo>
-                <a:lnTo>
-                  <a:pt x="507998" y="0"/>
-                </a:lnTo>
-                <a:cubicBezTo>
-                  <a:pt x="564111" y="0"/>
-                  <a:pt x="609600" y="45489"/>
-                  <a:pt x="609600" y="101602"/>
-                </a:cubicBezTo>
-                <a:lnTo>
-                  <a:pt x="609600" y="507998"/>
-                </a:lnTo>
-                <a:cubicBezTo>
-                  <a:pt x="609600" y="564111"/>
-                  <a:pt x="564111" y="609600"/>
-                  <a:pt x="507998" y="609600"/>
-                </a:cubicBezTo>
-                <a:lnTo>
-                  <a:pt x="101602" y="609600"/>
-                </a:lnTo>
-                <a:cubicBezTo>
-                  <a:pt x="45489" y="609600"/>
-                  <a:pt x="0" y="564111"/>
-                  <a:pt x="0" y="507998"/>
-                </a:cubicBezTo>
-                <a:lnTo>
-                  <a:pt x="0" y="101602"/>
-                </a:lnTo>
-                <a:cubicBezTo>
-                  <a:pt x="0" y="45526"/>
-                  <a:pt x="45526" y="0"/>
-                  <a:pt x="101602" y="0"/>
-                </a:cubicBezTo>
-                <a:close/>
-              </a:path>
-            </a:pathLst>
-          </a:custGeom>
-          <a:solidFill>
-            <a:srgbClr val="E5A044">
-              <a:alpha val="20000"/>
-            </a:srgbClr>
-          </a:solidFill>
-        </p:spPr>
-      </p:sp>
-      <p:sp>
-        <p:nvSpPr>
-          <p:cNvPr id="13" name="Shape 10"/>
-          <p:cNvSpPr/>
-          <p:nvPr/>
-        </p:nvSpPr>
-        <p:spPr>
-          <a:xfrm>
-            <a:off x="2561034" y="5398559"/>
-            <a:ext cx="304800" cy="304800"/>
-          </a:xfrm>
-          <a:custGeom>
-            <a:avLst/>
-            <a:gdLst/>
-            <a:ahLst/>
-            <a:cxnLst/>
-            <a:rect l="l" t="t" r="r" b="b"/>
-            <a:pathLst>
-              <a:path w="304800" h="304800">
-                <a:moveTo>
-                  <a:pt x="103525" y="236577"/>
-                </a:moveTo>
-                <a:cubicBezTo>
-                  <a:pt x="103525" y="237768"/>
-                  <a:pt x="102156" y="238720"/>
-                  <a:pt x="100429" y="238720"/>
-                </a:cubicBezTo>
-                <a:cubicBezTo>
-                  <a:pt x="98465" y="238899"/>
-                  <a:pt x="97095" y="237946"/>
-                  <a:pt x="97095" y="236577"/>
-                </a:cubicBezTo>
-                <a:cubicBezTo>
-                  <a:pt x="97095" y="235387"/>
-                  <a:pt x="98465" y="234434"/>
-                  <a:pt x="100191" y="234434"/>
-                </a:cubicBezTo>
-                <a:cubicBezTo>
-                  <a:pt x="101977" y="234255"/>
-                  <a:pt x="103525" y="235208"/>
-                  <a:pt x="103525" y="236577"/>
-                </a:cubicBezTo>
-                <a:close/>
-                <a:moveTo>
-                  <a:pt x="85011" y="233898"/>
-                </a:moveTo>
-                <a:cubicBezTo>
-                  <a:pt x="84594" y="235089"/>
-                  <a:pt x="85785" y="236458"/>
-                  <a:pt x="87570" y="236815"/>
-                </a:cubicBezTo>
-                <a:cubicBezTo>
-                  <a:pt x="89118" y="237411"/>
-                  <a:pt x="90904" y="236815"/>
-                  <a:pt x="91261" y="235625"/>
-                </a:cubicBezTo>
-                <a:cubicBezTo>
-                  <a:pt x="91619" y="234434"/>
-                  <a:pt x="90488" y="233065"/>
-                  <a:pt x="88702" y="232529"/>
-                </a:cubicBezTo>
-                <a:cubicBezTo>
-                  <a:pt x="87154" y="232112"/>
-                  <a:pt x="85427" y="232708"/>
-                  <a:pt x="85011" y="233898"/>
-                </a:cubicBezTo>
-                <a:close/>
-                <a:moveTo>
-                  <a:pt x="111323" y="232886"/>
-                </a:moveTo>
-                <a:cubicBezTo>
-                  <a:pt x="109597" y="233303"/>
-                  <a:pt x="108406" y="234434"/>
-                  <a:pt x="108585" y="235803"/>
-                </a:cubicBezTo>
-                <a:cubicBezTo>
-                  <a:pt x="108764" y="236994"/>
-                  <a:pt x="110311" y="237768"/>
-                  <a:pt x="112097" y="237351"/>
-                </a:cubicBezTo>
-                <a:cubicBezTo>
-                  <a:pt x="113824" y="236934"/>
-                  <a:pt x="115014" y="235803"/>
-                  <a:pt x="114836" y="234613"/>
-                </a:cubicBezTo>
-                <a:cubicBezTo>
-                  <a:pt x="114657" y="233482"/>
-                  <a:pt x="113050" y="232708"/>
-                  <a:pt x="111323" y="232886"/>
-                </a:cubicBezTo>
-                <a:close/>
-                <a:moveTo>
-                  <a:pt x="150495" y="4763"/>
-                </a:moveTo>
-                <a:cubicBezTo>
-                  <a:pt x="67925" y="4763"/>
-                  <a:pt x="4763" y="67449"/>
-                  <a:pt x="4763" y="150019"/>
-                </a:cubicBezTo>
-                <a:cubicBezTo>
-                  <a:pt x="4763" y="216039"/>
-                  <a:pt x="46315" y="272534"/>
-                  <a:pt x="105668" y="292418"/>
-                </a:cubicBezTo>
-                <a:cubicBezTo>
-                  <a:pt x="113288" y="293787"/>
-                  <a:pt x="115967" y="289084"/>
-                  <a:pt x="115967" y="285214"/>
-                </a:cubicBezTo>
-                <a:cubicBezTo>
-                  <a:pt x="115967" y="281523"/>
-                  <a:pt x="115788" y="261164"/>
-                  <a:pt x="115788" y="248662"/>
-                </a:cubicBezTo>
-                <a:cubicBezTo>
-                  <a:pt x="115788" y="248662"/>
-                  <a:pt x="74116" y="257592"/>
-                  <a:pt x="65365" y="230922"/>
-                </a:cubicBezTo>
-                <a:cubicBezTo>
-                  <a:pt x="65365" y="230922"/>
-                  <a:pt x="58579" y="213598"/>
-                  <a:pt x="48816" y="209133"/>
-                </a:cubicBezTo>
-                <a:cubicBezTo>
-                  <a:pt x="48816" y="209133"/>
-                  <a:pt x="35183" y="199787"/>
-                  <a:pt x="49768" y="199965"/>
-                </a:cubicBezTo>
-                <a:cubicBezTo>
-                  <a:pt x="49768" y="199965"/>
-                  <a:pt x="64591" y="201156"/>
-                  <a:pt x="72747" y="215325"/>
-                </a:cubicBezTo>
-                <a:cubicBezTo>
-                  <a:pt x="85785" y="238304"/>
-                  <a:pt x="107633" y="231696"/>
-                  <a:pt x="116145" y="227767"/>
-                </a:cubicBezTo>
-                <a:cubicBezTo>
-                  <a:pt x="117515" y="218242"/>
-                  <a:pt x="121384" y="211634"/>
-                  <a:pt x="125670" y="207705"/>
-                </a:cubicBezTo>
-                <a:cubicBezTo>
-                  <a:pt x="92393" y="204014"/>
-                  <a:pt x="58817" y="199192"/>
-                  <a:pt x="58817" y="141923"/>
-                </a:cubicBezTo>
-                <a:cubicBezTo>
-                  <a:pt x="58817" y="125551"/>
-                  <a:pt x="63341" y="117336"/>
-                  <a:pt x="72866" y="106859"/>
-                </a:cubicBezTo>
-                <a:cubicBezTo>
-                  <a:pt x="71318" y="102989"/>
-                  <a:pt x="66258" y="87035"/>
-                  <a:pt x="74414" y="66437"/>
-                </a:cubicBezTo>
-                <a:cubicBezTo>
-                  <a:pt x="86856" y="62567"/>
-                  <a:pt x="115491" y="82510"/>
-                  <a:pt x="115491" y="82510"/>
-                </a:cubicBezTo>
-                <a:cubicBezTo>
-                  <a:pt x="127397" y="79177"/>
-                  <a:pt x="140196" y="77450"/>
-                  <a:pt x="152876" y="77450"/>
-                </a:cubicBezTo>
-                <a:cubicBezTo>
-                  <a:pt x="165556" y="77450"/>
-                  <a:pt x="178356" y="79177"/>
-                  <a:pt x="190262" y="82510"/>
-                </a:cubicBezTo>
-                <a:cubicBezTo>
-                  <a:pt x="190262" y="82510"/>
-                  <a:pt x="218896" y="62508"/>
-                  <a:pt x="231338" y="66437"/>
-                </a:cubicBezTo>
-                <a:cubicBezTo>
-                  <a:pt x="239494" y="87094"/>
-                  <a:pt x="234434" y="102989"/>
-                  <a:pt x="232886" y="106859"/>
-                </a:cubicBezTo>
-                <a:cubicBezTo>
-                  <a:pt x="242411" y="117396"/>
-                  <a:pt x="248245" y="125611"/>
-                  <a:pt x="248245" y="141923"/>
-                </a:cubicBezTo>
-                <a:cubicBezTo>
-                  <a:pt x="248245" y="199370"/>
-                  <a:pt x="213181" y="203954"/>
-                  <a:pt x="179903" y="207705"/>
-                </a:cubicBezTo>
-                <a:cubicBezTo>
-                  <a:pt x="185380" y="212407"/>
-                  <a:pt x="190024" y="221337"/>
-                  <a:pt x="190024" y="235327"/>
-                </a:cubicBezTo>
-                <a:cubicBezTo>
-                  <a:pt x="190024" y="255389"/>
-                  <a:pt x="189845" y="280214"/>
-                  <a:pt x="189845" y="285095"/>
-                </a:cubicBezTo>
-                <a:cubicBezTo>
-                  <a:pt x="189845" y="288965"/>
-                  <a:pt x="192584" y="293668"/>
-                  <a:pt x="200144" y="292298"/>
-                </a:cubicBezTo>
-                <a:cubicBezTo>
-                  <a:pt x="259675" y="272534"/>
-                  <a:pt x="300038" y="216039"/>
-                  <a:pt x="300038" y="150019"/>
-                </a:cubicBezTo>
-                <a:cubicBezTo>
-                  <a:pt x="300038" y="67449"/>
-                  <a:pt x="233065" y="4763"/>
-                  <a:pt x="150495" y="4763"/>
-                </a:cubicBezTo>
-                <a:close/>
-                <a:moveTo>
-                  <a:pt x="62627" y="210086"/>
-                </a:moveTo>
-                <a:cubicBezTo>
-                  <a:pt x="61853" y="210681"/>
-                  <a:pt x="62032" y="212050"/>
-                  <a:pt x="63044" y="213181"/>
-                </a:cubicBezTo>
-                <a:cubicBezTo>
-                  <a:pt x="63996" y="214134"/>
-                  <a:pt x="65365" y="214551"/>
-                  <a:pt x="66139" y="213777"/>
-                </a:cubicBezTo>
-                <a:cubicBezTo>
-                  <a:pt x="66913" y="213181"/>
-                  <a:pt x="66735" y="211812"/>
-                  <a:pt x="65723" y="210681"/>
-                </a:cubicBezTo>
-                <a:cubicBezTo>
-                  <a:pt x="64770" y="209729"/>
-                  <a:pt x="63401" y="209312"/>
-                  <a:pt x="62627" y="210086"/>
-                </a:cubicBezTo>
-                <a:close/>
-                <a:moveTo>
-                  <a:pt x="56198" y="205264"/>
-                </a:moveTo>
-                <a:cubicBezTo>
-                  <a:pt x="55781" y="206038"/>
-                  <a:pt x="56376" y="206990"/>
-                  <a:pt x="57567" y="207585"/>
-                </a:cubicBezTo>
-                <a:cubicBezTo>
-                  <a:pt x="58519" y="208181"/>
-                  <a:pt x="59710" y="208002"/>
-                  <a:pt x="60127" y="207169"/>
-                </a:cubicBezTo>
-                <a:cubicBezTo>
-                  <a:pt x="60543" y="206395"/>
-                  <a:pt x="59948" y="205442"/>
-                  <a:pt x="58757" y="204847"/>
-                </a:cubicBezTo>
-                <a:cubicBezTo>
-                  <a:pt x="57567" y="204490"/>
-                  <a:pt x="56614" y="204668"/>
-                  <a:pt x="56198" y="205264"/>
-                </a:cubicBezTo>
-                <a:close/>
-                <a:moveTo>
-                  <a:pt x="75486" y="226457"/>
-                </a:moveTo>
-                <a:cubicBezTo>
-                  <a:pt x="74533" y="227231"/>
-                  <a:pt x="74890" y="229017"/>
-                  <a:pt x="76260" y="230148"/>
-                </a:cubicBezTo>
-                <a:cubicBezTo>
-                  <a:pt x="77629" y="231517"/>
-                  <a:pt x="79355" y="231696"/>
-                  <a:pt x="80129" y="230743"/>
-                </a:cubicBezTo>
-                <a:cubicBezTo>
-                  <a:pt x="80903" y="229969"/>
-                  <a:pt x="80546" y="228183"/>
-                  <a:pt x="79355" y="227052"/>
-                </a:cubicBezTo>
-                <a:cubicBezTo>
-                  <a:pt x="78045" y="225683"/>
-                  <a:pt x="76260" y="225504"/>
-                  <a:pt x="75486" y="226457"/>
-                </a:cubicBezTo>
-                <a:close/>
-                <a:moveTo>
-                  <a:pt x="68699" y="217706"/>
-                </a:moveTo>
-                <a:cubicBezTo>
-                  <a:pt x="67747" y="218301"/>
-                  <a:pt x="67747" y="219849"/>
-                  <a:pt x="68699" y="221218"/>
-                </a:cubicBezTo>
-                <a:cubicBezTo>
-                  <a:pt x="69652" y="222587"/>
-                  <a:pt x="71259" y="223183"/>
-                  <a:pt x="72033" y="222587"/>
-                </a:cubicBezTo>
-                <a:cubicBezTo>
-                  <a:pt x="72985" y="221813"/>
-                  <a:pt x="72985" y="220266"/>
-                  <a:pt x="72033" y="218896"/>
-                </a:cubicBezTo>
-                <a:cubicBezTo>
-                  <a:pt x="71199" y="217527"/>
-                  <a:pt x="69652" y="216932"/>
-                  <a:pt x="68699" y="217706"/>
-                </a:cubicBezTo>
-                <a:close/>
-              </a:path>
-            </a:pathLst>
-          </a:custGeom>
-          <a:solidFill>
-            <a:srgbClr val="E5A044"/>
-          </a:solidFill>
-        </p:spPr>
-      </p:sp>
-      <p:sp>
-        <p:nvSpPr>
-          <p:cNvPr id="14" name="Text 11"/>
-          <p:cNvSpPr/>
-          <p:nvPr/>
-        </p:nvSpPr>
-        <p:spPr>
-          <a:xfrm>
-            <a:off x="3170634" y="5246159"/>
-            <a:ext cx="825500" cy="254000"/>
-          </a:xfrm>
-          <a:prstGeom prst="rect">
-            <a:avLst/>
-          </a:prstGeom>
-          <a:noFill/>
-        </p:spPr>
-        <p:txBody>
-          <a:bodyPr wrap="square" lIns="0" tIns="0" rIns="0" bIns="0" rtlCol="0" anchor="ctr"/>
-          <a:lstStyle/>
-          <a:p>
-            <a:pPr>
-              <a:lnSpc>
-                <a:spcPct val="120000"/>
-              </a:lnSpc>
-            </a:pPr>
-            <a:r>
-              <a:rPr lang="en-US" sz="1400" dirty="0">
-                <a:solidFill>
-                  <a:srgbClr val="E0E2E6">
-                    <a:alpha val="60000"/>
-                  </a:srgbClr>
-                </a:solidFill>
-                <a:latin typeface="MiSans" pitchFamily="34" charset="-122"/>
-                <a:ea typeface="MiSans" pitchFamily="34" charset="-122"/>
-                <a:cs typeface="MiSans" pitchFamily="34" charset="-120"/>
-              </a:rPr>
-              <a:t>目标平台</a:t>
-            </a:r>
-            <a:endParaRPr lang="en-US" sz="1600" dirty="0"/>
-          </a:p>
-        </p:txBody>
-      </p:sp>
-      <p:sp>
-        <p:nvSpPr>
-          <p:cNvPr id="15" name="Text 12"/>
-          <p:cNvSpPr/>
-          <p:nvPr/>
-        </p:nvSpPr>
-        <p:spPr>
-          <a:xfrm>
-            <a:off x="3170634" y="5500159"/>
-            <a:ext cx="850900" cy="355600"/>
-          </a:xfrm>
-          <a:prstGeom prst="rect">
-            <a:avLst/>
-          </a:prstGeom>
-          <a:noFill/>
-        </p:spPr>
-        <p:txBody>
-          <a:bodyPr wrap="square" lIns="0" tIns="0" rIns="0" bIns="0" rtlCol="0" anchor="ctr"/>
-          <a:lstStyle/>
-          <a:p>
-            <a:pPr>
-              <a:lnSpc>
-                <a:spcPct val="130000"/>
-              </a:lnSpc>
-            </a:pPr>
-            <a:r>
-              <a:rPr lang="en-US" sz="1800" b="1" dirty="0">
-                <a:solidFill>
-                  <a:srgbClr val="E0E2E6"/>
-                </a:solidFill>
-                <a:latin typeface="MiSans" pitchFamily="34" charset="-122"/>
-                <a:ea typeface="MiSans" pitchFamily="34" charset="-122"/>
-                <a:cs typeface="MiSans" pitchFamily="34" charset="-120"/>
-              </a:rPr>
-              <a:t>GitHub</a:t>
-            </a:r>
-            <a:endParaRPr lang="en-US" sz="1600" dirty="0"/>
-          </a:p>
-        </p:txBody>
-      </p:sp>
-      <p:sp>
-        <p:nvSpPr>
-          <p:cNvPr id="16" name="Shape 13"/>
-          <p:cNvSpPr/>
-          <p:nvPr/>
-        </p:nvSpPr>
-        <p:spPr>
-          <a:xfrm>
-            <a:off x="4311121" y="5246159"/>
-            <a:ext cx="609600" cy="609600"/>
-          </a:xfrm>
-          <a:custGeom>
-            <a:avLst/>
-            <a:gdLst/>
-            <a:ahLst/>
-            <a:cxnLst/>
-            <a:rect l="l" t="t" r="r" b="b"/>
-            <a:pathLst>
-              <a:path w="609600" h="609600">
-                <a:moveTo>
-                  <a:pt x="101602" y="0"/>
-                </a:moveTo>
-                <a:lnTo>
-                  <a:pt x="507998" y="0"/>
-                </a:lnTo>
-                <a:cubicBezTo>
-                  <a:pt x="564111" y="0"/>
-                  <a:pt x="609600" y="45489"/>
-                  <a:pt x="609600" y="101602"/>
-                </a:cubicBezTo>
-                <a:lnTo>
-                  <a:pt x="609600" y="507998"/>
-                </a:lnTo>
-                <a:cubicBezTo>
-                  <a:pt x="609600" y="564111"/>
-                  <a:pt x="564111" y="609600"/>
-                  <a:pt x="507998" y="609600"/>
-                </a:cubicBezTo>
-                <a:lnTo>
-                  <a:pt x="101602" y="609600"/>
-                </a:lnTo>
-                <a:cubicBezTo>
-                  <a:pt x="45489" y="609600"/>
-                  <a:pt x="0" y="564111"/>
-                  <a:pt x="0" y="507998"/>
-                </a:cubicBezTo>
-                <a:lnTo>
-                  <a:pt x="0" y="101602"/>
-                </a:lnTo>
-                <a:cubicBezTo>
-                  <a:pt x="0" y="45526"/>
-                  <a:pt x="45526" y="0"/>
-                  <a:pt x="101602" y="0"/>
-                </a:cubicBezTo>
-                <a:close/>
-              </a:path>
-            </a:pathLst>
-          </a:custGeom>
-          <a:solidFill>
-            <a:srgbClr val="3D8F8A">
-              <a:alpha val="20000"/>
-            </a:srgbClr>
-          </a:solidFill>
-        </p:spPr>
-      </p:sp>
-      <p:sp>
-        <p:nvSpPr>
-          <p:cNvPr id="17" name="Shape 14"/>
-          <p:cNvSpPr/>
-          <p:nvPr/>
-        </p:nvSpPr>
-        <p:spPr>
-          <a:xfrm>
-            <a:off x="4482571" y="5398559"/>
-            <a:ext cx="266700" cy="304800"/>
-          </a:xfrm>
-          <a:custGeom>
-            <a:avLst/>
-            <a:gdLst/>
-            <a:ahLst/>
-            <a:cxnLst/>
-            <a:rect l="l" t="t" r="r" b="b"/>
-            <a:pathLst>
-              <a:path w="266700" h="304800">
-                <a:moveTo>
-                  <a:pt x="76200" y="-19050"/>
-                </a:moveTo>
-                <a:cubicBezTo>
-                  <a:pt x="86737" y="-19050"/>
-                  <a:pt x="95250" y="-10537"/>
-                  <a:pt x="95250" y="0"/>
-                </a:cubicBezTo>
-                <a:lnTo>
-                  <a:pt x="95250" y="57150"/>
-                </a:lnTo>
-                <a:lnTo>
-                  <a:pt x="171450" y="57150"/>
-                </a:lnTo>
-                <a:lnTo>
-                  <a:pt x="171450" y="0"/>
-                </a:lnTo>
-                <a:cubicBezTo>
-                  <a:pt x="171450" y="-10537"/>
-                  <a:pt x="179963" y="-19050"/>
-                  <a:pt x="190500" y="-19050"/>
-                </a:cubicBezTo>
-                <a:cubicBezTo>
-                  <a:pt x="201037" y="-19050"/>
-                  <a:pt x="209550" y="-10537"/>
-                  <a:pt x="209550" y="0"/>
-                </a:cubicBezTo>
-                <a:lnTo>
-                  <a:pt x="209550" y="57150"/>
-                </a:lnTo>
-                <a:lnTo>
-                  <a:pt x="247650" y="57150"/>
-                </a:lnTo>
-                <a:cubicBezTo>
-                  <a:pt x="258187" y="57150"/>
-                  <a:pt x="266700" y="65663"/>
-                  <a:pt x="266700" y="76200"/>
-                </a:cubicBezTo>
-                <a:cubicBezTo>
-                  <a:pt x="266700" y="86737"/>
-                  <a:pt x="258187" y="95250"/>
-                  <a:pt x="247650" y="95250"/>
-                </a:cubicBezTo>
-                <a:lnTo>
-                  <a:pt x="247650" y="133350"/>
-                </a:lnTo>
-                <a:cubicBezTo>
-                  <a:pt x="247650" y="189964"/>
-                  <a:pt x="206454" y="236994"/>
-                  <a:pt x="152400" y="246043"/>
-                </a:cubicBezTo>
-                <a:lnTo>
-                  <a:pt x="152400" y="285750"/>
-                </a:lnTo>
-                <a:cubicBezTo>
-                  <a:pt x="152400" y="296287"/>
-                  <a:pt x="143887" y="304800"/>
-                  <a:pt x="133350" y="304800"/>
-                </a:cubicBezTo>
-                <a:cubicBezTo>
-                  <a:pt x="122813" y="304800"/>
-                  <a:pt x="114300" y="296287"/>
-                  <a:pt x="114300" y="285750"/>
-                </a:cubicBezTo>
-                <a:lnTo>
-                  <a:pt x="114300" y="246043"/>
-                </a:lnTo>
-                <a:cubicBezTo>
-                  <a:pt x="60246" y="236994"/>
-                  <a:pt x="19050" y="189964"/>
-                  <a:pt x="19050" y="133350"/>
-                </a:cubicBezTo>
-                <a:lnTo>
-                  <a:pt x="19050" y="95250"/>
-                </a:lnTo>
-                <a:cubicBezTo>
-                  <a:pt x="8513" y="95250"/>
-                  <a:pt x="0" y="86737"/>
-                  <a:pt x="0" y="76200"/>
-                </a:cubicBezTo>
-                <a:cubicBezTo>
-                  <a:pt x="0" y="65663"/>
-                  <a:pt x="8513" y="57150"/>
-                  <a:pt x="19050" y="57150"/>
-                </a:cubicBezTo>
-                <a:lnTo>
-                  <a:pt x="57150" y="57150"/>
-                </a:lnTo>
-                <a:lnTo>
-                  <a:pt x="57150" y="0"/>
-                </a:lnTo>
-                <a:cubicBezTo>
-                  <a:pt x="57150" y="-10537"/>
-                  <a:pt x="65663" y="-19050"/>
-                  <a:pt x="76200" y="-19050"/>
-                </a:cubicBezTo>
-                <a:close/>
-              </a:path>
-            </a:pathLst>
-          </a:custGeom>
-          <a:solidFill>
-            <a:srgbClr val="3D8F8A"/>
-          </a:solidFill>
-        </p:spPr>
-      </p:sp>
-      <p:sp>
-        <p:nvSpPr>
-          <p:cNvPr id="18" name="Text 15"/>
-          <p:cNvSpPr/>
-          <p:nvPr/>
-        </p:nvSpPr>
-        <p:spPr>
-          <a:xfrm>
-            <a:off x="5073121" y="5246159"/>
-            <a:ext cx="1231900" cy="254000"/>
-          </a:xfrm>
-          <a:prstGeom prst="rect">
-            <a:avLst/>
-          </a:prstGeom>
-          <a:noFill/>
-        </p:spPr>
-        <p:txBody>
-          <a:bodyPr wrap="square" lIns="0" tIns="0" rIns="0" bIns="0" rtlCol="0" anchor="ctr"/>
-          <a:lstStyle/>
-          <a:p>
-            <a:pPr>
-              <a:lnSpc>
-                <a:spcPct val="120000"/>
-              </a:lnSpc>
-            </a:pPr>
-            <a:r>
-              <a:rPr lang="zh-CN" altLang="en-US" sz="1400" dirty="0">
-                <a:solidFill>
-                  <a:srgbClr val="E0E2E6">
-                    <a:alpha val="60000"/>
-                  </a:srgbClr>
-                </a:solidFill>
-                <a:latin typeface="MiSans" pitchFamily="34" charset="-122"/>
-                <a:ea typeface="MiSans" pitchFamily="34" charset="-122"/>
-                <a:cs typeface="MiSans" pitchFamily="34" charset="-120"/>
-              </a:rPr>
-              <a:t>最终</a:t>
-            </a:r>
-            <a:r>
-              <a:rPr lang="en-US" sz="1400" dirty="0">
-                <a:solidFill>
-                  <a:srgbClr val="E0E2E6">
-                    <a:alpha val="60000"/>
-                  </a:srgbClr>
-                </a:solidFill>
-                <a:latin typeface="MiSans" pitchFamily="34" charset="-122"/>
-                <a:ea typeface="MiSans" pitchFamily="34" charset="-122"/>
-                <a:cs typeface="MiSans" pitchFamily="34" charset="-120"/>
-              </a:rPr>
-              <a:t>形态</a:t>
-            </a:r>
-            <a:endParaRPr lang="en-US" sz="1600" dirty="0"/>
-          </a:p>
-        </p:txBody>
-      </p:sp>
-      <p:sp>
-        <p:nvSpPr>
-          <p:cNvPr id="19" name="Text 16"/>
-          <p:cNvSpPr/>
-          <p:nvPr/>
-        </p:nvSpPr>
-        <p:spPr>
-          <a:xfrm>
-            <a:off x="5073121" y="5500159"/>
-            <a:ext cx="1257300" cy="355600"/>
-          </a:xfrm>
-          <a:prstGeom prst="rect">
-            <a:avLst/>
-          </a:prstGeom>
-          <a:noFill/>
-        </p:spPr>
-        <p:txBody>
-          <a:bodyPr wrap="square" lIns="0" tIns="0" rIns="0" bIns="0" rtlCol="0" anchor="ctr"/>
-          <a:lstStyle/>
-          <a:p>
-            <a:pPr>
-              <a:lnSpc>
-                <a:spcPct val="130000"/>
-              </a:lnSpc>
-            </a:pPr>
-            <a:r>
-              <a:rPr lang="en-US" sz="1800" b="1" dirty="0">
-                <a:solidFill>
-                  <a:srgbClr val="E0E2E6"/>
-                </a:solidFill>
-                <a:latin typeface="MiSans" pitchFamily="34" charset="-122"/>
-                <a:ea typeface="MiSans" pitchFamily="34" charset="-122"/>
-                <a:cs typeface="MiSans" pitchFamily="34" charset="-120"/>
-              </a:rPr>
-              <a:t>浏览器插件</a:t>
-            </a:r>
-            <a:endParaRPr lang="en-US" sz="1600" dirty="0"/>
-          </a:p>
-        </p:txBody>
-      </p:sp>
+        </p:grpSpPr>
+        <p:sp>
+          <p:nvSpPr>
+            <p:cNvPr id="8" name="Shape 5"/>
+            <p:cNvSpPr/>
+            <p:nvPr>
+              <p:custDataLst>
+                <p:tags r:id="rId3"/>
+              </p:custDataLst>
+            </p:nvPr>
+          </p:nvSpPr>
+          <p:spPr>
+            <a:xfrm>
+              <a:off x="837" y="8761"/>
+              <a:ext cx="960" cy="960"/>
+            </a:xfrm>
+            <a:custGeom>
+              <a:avLst/>
+              <a:gdLst/>
+              <a:ahLst/>
+              <a:cxnLst/>
+              <a:rect l="l" t="t" r="r" b="b"/>
+              <a:pathLst>
+                <a:path w="609600" h="609600">
+                  <a:moveTo>
+                    <a:pt x="101602" y="0"/>
+                  </a:moveTo>
+                  <a:lnTo>
+                    <a:pt x="507998" y="0"/>
+                  </a:lnTo>
+                  <a:cubicBezTo>
+                    <a:pt x="564111" y="0"/>
+                    <a:pt x="609600" y="45489"/>
+                    <a:pt x="609600" y="101602"/>
+                  </a:cubicBezTo>
+                  <a:lnTo>
+                    <a:pt x="609600" y="507998"/>
+                  </a:lnTo>
+                  <a:cubicBezTo>
+                    <a:pt x="609600" y="564111"/>
+                    <a:pt x="564111" y="609600"/>
+                    <a:pt x="507998" y="609600"/>
+                  </a:cubicBezTo>
+                  <a:lnTo>
+                    <a:pt x="101602" y="609600"/>
+                  </a:lnTo>
+                  <a:cubicBezTo>
+                    <a:pt x="45489" y="609600"/>
+                    <a:pt x="0" y="564111"/>
+                    <a:pt x="0" y="507998"/>
+                  </a:cubicBezTo>
+                  <a:lnTo>
+                    <a:pt x="0" y="101602"/>
+                  </a:lnTo>
+                  <a:cubicBezTo>
+                    <a:pt x="0" y="45526"/>
+                    <a:pt x="45526" y="0"/>
+                    <a:pt x="101602" y="0"/>
+                  </a:cubicBezTo>
+                  <a:close/>
+                </a:path>
+              </a:pathLst>
+            </a:custGeom>
+            <a:solidFill>
+              <a:srgbClr val="3D8F8A">
+                <a:alpha val="20000"/>
+              </a:srgbClr>
+            </a:solidFill>
+          </p:spPr>
+        </p:sp>
+        <p:sp>
+          <p:nvSpPr>
+            <p:cNvPr id="9" name="Shape 6"/>
+            <p:cNvSpPr/>
+            <p:nvPr>
+              <p:custDataLst>
+                <p:tags r:id="rId4"/>
+              </p:custDataLst>
+            </p:nvPr>
+          </p:nvSpPr>
+          <p:spPr>
+            <a:xfrm>
+              <a:off x="1107" y="9001"/>
+              <a:ext cx="420" cy="480"/>
+            </a:xfrm>
+            <a:custGeom>
+              <a:avLst/>
+              <a:gdLst/>
+              <a:ahLst/>
+              <a:cxnLst/>
+              <a:rect l="l" t="t" r="r" b="b"/>
+              <a:pathLst>
+                <a:path w="266700" h="304800">
+                  <a:moveTo>
+                    <a:pt x="261818" y="119360"/>
+                  </a:moveTo>
+                  <a:cubicBezTo>
+                    <a:pt x="257235" y="100965"/>
+                    <a:pt x="248543" y="87094"/>
+                    <a:pt x="230029" y="87094"/>
+                  </a:cubicBezTo>
+                  <a:lnTo>
+                    <a:pt x="206157" y="87094"/>
+                  </a:lnTo>
+                  <a:lnTo>
+                    <a:pt x="206157" y="115312"/>
+                  </a:lnTo>
+                  <a:cubicBezTo>
+                    <a:pt x="206157" y="137220"/>
+                    <a:pt x="187583" y="155674"/>
+                    <a:pt x="166390" y="155674"/>
+                  </a:cubicBezTo>
+                  <a:lnTo>
+                    <a:pt x="102810" y="155674"/>
+                  </a:lnTo>
+                  <a:cubicBezTo>
+                    <a:pt x="85427" y="155674"/>
+                    <a:pt x="71021" y="170557"/>
+                    <a:pt x="71021" y="188000"/>
+                  </a:cubicBezTo>
+                  <a:lnTo>
+                    <a:pt x="71021" y="248603"/>
+                  </a:lnTo>
+                  <a:cubicBezTo>
+                    <a:pt x="71021" y="265867"/>
+                    <a:pt x="86023" y="275987"/>
+                    <a:pt x="102810" y="280928"/>
+                  </a:cubicBezTo>
+                  <a:cubicBezTo>
+                    <a:pt x="122932" y="286822"/>
+                    <a:pt x="142280" y="287893"/>
+                    <a:pt x="166390" y="280928"/>
+                  </a:cubicBezTo>
+                  <a:cubicBezTo>
+                    <a:pt x="182404" y="276285"/>
+                    <a:pt x="198180" y="266938"/>
+                    <a:pt x="198180" y="248603"/>
+                  </a:cubicBezTo>
+                  <a:lnTo>
+                    <a:pt x="198180" y="224373"/>
+                  </a:lnTo>
+                  <a:lnTo>
+                    <a:pt x="134660" y="224373"/>
+                  </a:lnTo>
+                  <a:lnTo>
+                    <a:pt x="134660" y="216277"/>
+                  </a:lnTo>
+                  <a:lnTo>
+                    <a:pt x="230029" y="216277"/>
+                  </a:lnTo>
+                  <a:cubicBezTo>
+                    <a:pt x="248543" y="216277"/>
+                    <a:pt x="255389" y="203359"/>
+                    <a:pt x="261818" y="184011"/>
+                  </a:cubicBezTo>
+                  <a:cubicBezTo>
+                    <a:pt x="268486" y="164068"/>
+                    <a:pt x="268188" y="144899"/>
+                    <a:pt x="261818" y="119360"/>
+                  </a:cubicBezTo>
+                  <a:close/>
+                  <a:moveTo>
+                    <a:pt x="170378" y="264735"/>
+                  </a:moveTo>
+                  <a:cubicBezTo>
+                    <a:pt x="165848" y="265053"/>
+                    <a:pt x="161518" y="262816"/>
+                    <a:pt x="159156" y="258937"/>
+                  </a:cubicBezTo>
+                  <a:cubicBezTo>
+                    <a:pt x="156794" y="255057"/>
+                    <a:pt x="156794" y="250184"/>
+                    <a:pt x="159156" y="246305"/>
+                  </a:cubicBezTo>
+                  <a:cubicBezTo>
+                    <a:pt x="161518" y="242425"/>
+                    <a:pt x="165848" y="240188"/>
+                    <a:pt x="170378" y="240506"/>
+                  </a:cubicBezTo>
+                  <a:cubicBezTo>
+                    <a:pt x="174909" y="240188"/>
+                    <a:pt x="179239" y="242425"/>
+                    <a:pt x="181601" y="246305"/>
+                  </a:cubicBezTo>
+                  <a:cubicBezTo>
+                    <a:pt x="183963" y="250184"/>
+                    <a:pt x="183963" y="255057"/>
+                    <a:pt x="181601" y="258937"/>
+                  </a:cubicBezTo>
+                  <a:cubicBezTo>
+                    <a:pt x="179239" y="262816"/>
+                    <a:pt x="174909" y="265053"/>
+                    <a:pt x="170378" y="264735"/>
+                  </a:cubicBezTo>
+                  <a:close/>
+                  <a:moveTo>
+                    <a:pt x="99893" y="147697"/>
+                  </a:moveTo>
+                  <a:lnTo>
+                    <a:pt x="163473" y="147697"/>
+                  </a:lnTo>
+                  <a:cubicBezTo>
+                    <a:pt x="181154" y="147697"/>
+                    <a:pt x="195263" y="133112"/>
+                    <a:pt x="195263" y="115372"/>
+                  </a:cubicBezTo>
+                  <a:lnTo>
+                    <a:pt x="195263" y="54709"/>
+                  </a:lnTo>
+                  <a:cubicBezTo>
+                    <a:pt x="195263" y="37445"/>
+                    <a:pt x="180737" y="24527"/>
+                    <a:pt x="163473" y="21610"/>
+                  </a:cubicBezTo>
+                  <a:cubicBezTo>
+                    <a:pt x="142161" y="18098"/>
+                    <a:pt x="119003" y="18276"/>
+                    <a:pt x="99893" y="21669"/>
+                  </a:cubicBezTo>
+                  <a:cubicBezTo>
+                    <a:pt x="72985" y="26432"/>
+                    <a:pt x="68104" y="36374"/>
+                    <a:pt x="68104" y="54769"/>
+                  </a:cubicBezTo>
+                  <a:lnTo>
+                    <a:pt x="68104" y="78998"/>
+                  </a:lnTo>
+                  <a:lnTo>
+                    <a:pt x="131743" y="78998"/>
+                  </a:lnTo>
+                  <a:lnTo>
+                    <a:pt x="131743" y="87094"/>
+                  </a:lnTo>
+                  <a:lnTo>
+                    <a:pt x="44232" y="87094"/>
+                  </a:lnTo>
+                  <a:cubicBezTo>
+                    <a:pt x="25718" y="87094"/>
+                    <a:pt x="9525" y="98227"/>
+                    <a:pt x="4465" y="119360"/>
+                  </a:cubicBezTo>
+                  <a:cubicBezTo>
+                    <a:pt x="-1369" y="143589"/>
+                    <a:pt x="-1607" y="158710"/>
+                    <a:pt x="4465" y="184011"/>
+                  </a:cubicBezTo>
+                  <a:cubicBezTo>
+                    <a:pt x="8989" y="202823"/>
+                    <a:pt x="19764" y="216277"/>
+                    <a:pt x="38279" y="216277"/>
+                  </a:cubicBezTo>
+                  <a:lnTo>
+                    <a:pt x="60127" y="216277"/>
+                  </a:lnTo>
+                  <a:lnTo>
+                    <a:pt x="60127" y="187226"/>
+                  </a:lnTo>
+                  <a:cubicBezTo>
+                    <a:pt x="60127" y="166211"/>
+                    <a:pt x="78284" y="147697"/>
+                    <a:pt x="99893" y="147697"/>
+                  </a:cubicBezTo>
+                  <a:close/>
+                  <a:moveTo>
+                    <a:pt x="95964" y="38517"/>
+                  </a:moveTo>
+                  <a:cubicBezTo>
+                    <a:pt x="102667" y="38517"/>
+                    <a:pt x="108109" y="43958"/>
+                    <a:pt x="108109" y="50661"/>
+                  </a:cubicBezTo>
+                  <a:cubicBezTo>
+                    <a:pt x="108109" y="57364"/>
+                    <a:pt x="102667" y="62805"/>
+                    <a:pt x="95964" y="62805"/>
+                  </a:cubicBezTo>
+                  <a:cubicBezTo>
+                    <a:pt x="89262" y="62805"/>
+                    <a:pt x="83820" y="57364"/>
+                    <a:pt x="83820" y="50661"/>
+                  </a:cubicBezTo>
+                  <a:cubicBezTo>
+                    <a:pt x="83820" y="43958"/>
+                    <a:pt x="89262" y="38517"/>
+                    <a:pt x="95964" y="38517"/>
+                  </a:cubicBezTo>
+                  <a:close/>
+                </a:path>
+              </a:pathLst>
+            </a:custGeom>
+            <a:solidFill>
+              <a:srgbClr val="3D8F8A"/>
+            </a:solidFill>
+          </p:spPr>
+        </p:sp>
+        <p:sp>
+          <p:nvSpPr>
+            <p:cNvPr id="10" name="Text 7"/>
+            <p:cNvSpPr/>
+            <p:nvPr>
+              <p:custDataLst>
+                <p:tags r:id="rId5"/>
+              </p:custDataLst>
+            </p:nvPr>
+          </p:nvSpPr>
+          <p:spPr>
+            <a:xfrm>
+              <a:off x="2037" y="8761"/>
+              <a:ext cx="1300" cy="400"/>
+            </a:xfrm>
+            <a:prstGeom prst="rect">
+              <a:avLst/>
+            </a:prstGeom>
+            <a:noFill/>
+          </p:spPr>
+          <p:txBody>
+            <a:bodyPr wrap="square" lIns="0" tIns="0" rIns="0" bIns="0" rtlCol="0" anchor="ctr"/>
+            <a:lstStyle/>
+            <a:p>
+              <a:pPr>
+                <a:lnSpc>
+                  <a:spcPct val="120000"/>
+                </a:lnSpc>
+              </a:pPr>
+              <a:r>
+                <a:rPr lang="en-US" sz="1400" dirty="0">
+                  <a:solidFill>
+                    <a:srgbClr val="E0E2E6">
+                      <a:alpha val="60000"/>
+                    </a:srgbClr>
+                  </a:solidFill>
+                  <a:latin typeface="MiSans" pitchFamily="34" charset="-122"/>
+                  <a:ea typeface="MiSans" pitchFamily="34" charset="-122"/>
+                  <a:cs typeface="MiSans" pitchFamily="34" charset="-120"/>
+                </a:rPr>
+                <a:t>核心语言</a:t>
+              </a:r>
+              <a:endParaRPr lang="en-US" sz="1600" dirty="0"/>
+            </a:p>
+          </p:txBody>
+        </p:sp>
+        <p:sp>
+          <p:nvSpPr>
+            <p:cNvPr id="11" name="Text 8"/>
+            <p:cNvSpPr/>
+            <p:nvPr>
+              <p:custDataLst>
+                <p:tags r:id="rId6"/>
+              </p:custDataLst>
+            </p:nvPr>
+          </p:nvSpPr>
+          <p:spPr>
+            <a:xfrm>
+              <a:off x="2037" y="9161"/>
+              <a:ext cx="1340" cy="560"/>
+            </a:xfrm>
+            <a:prstGeom prst="rect">
+              <a:avLst/>
+            </a:prstGeom>
+            <a:noFill/>
+          </p:spPr>
+          <p:txBody>
+            <a:bodyPr wrap="square" lIns="0" tIns="0" rIns="0" bIns="0" rtlCol="0" anchor="ctr"/>
+            <a:lstStyle/>
+            <a:p>
+              <a:pPr>
+                <a:lnSpc>
+                  <a:spcPct val="130000"/>
+                </a:lnSpc>
+              </a:pPr>
+              <a:r>
+                <a:rPr lang="en-US" sz="1800" b="1" dirty="0">
+                  <a:solidFill>
+                    <a:srgbClr val="E0E2E6"/>
+                  </a:solidFill>
+                  <a:latin typeface="MiSans" pitchFamily="34" charset="-122"/>
+                  <a:ea typeface="MiSans" pitchFamily="34" charset="-122"/>
+                  <a:cs typeface="MiSans" pitchFamily="34" charset="-120"/>
+                </a:rPr>
+                <a:t>Python</a:t>
+              </a:r>
+              <a:endParaRPr lang="en-US" sz="1600" dirty="0"/>
+            </a:p>
+          </p:txBody>
+        </p:sp>
+        <p:sp>
+          <p:nvSpPr>
+            <p:cNvPr id="12" name="Shape 9"/>
+            <p:cNvSpPr/>
+            <p:nvPr>
+              <p:custDataLst>
+                <p:tags r:id="rId7"/>
+              </p:custDataLst>
+            </p:nvPr>
+          </p:nvSpPr>
+          <p:spPr>
+            <a:xfrm>
+              <a:off x="3830" y="8761"/>
+              <a:ext cx="960" cy="960"/>
+            </a:xfrm>
+            <a:custGeom>
+              <a:avLst/>
+              <a:gdLst/>
+              <a:ahLst/>
+              <a:cxnLst/>
+              <a:rect l="l" t="t" r="r" b="b"/>
+              <a:pathLst>
+                <a:path w="609600" h="609600">
+                  <a:moveTo>
+                    <a:pt x="101602" y="0"/>
+                  </a:moveTo>
+                  <a:lnTo>
+                    <a:pt x="507998" y="0"/>
+                  </a:lnTo>
+                  <a:cubicBezTo>
+                    <a:pt x="564111" y="0"/>
+                    <a:pt x="609600" y="45489"/>
+                    <a:pt x="609600" y="101602"/>
+                  </a:cubicBezTo>
+                  <a:lnTo>
+                    <a:pt x="609600" y="507998"/>
+                  </a:lnTo>
+                  <a:cubicBezTo>
+                    <a:pt x="609600" y="564111"/>
+                    <a:pt x="564111" y="609600"/>
+                    <a:pt x="507998" y="609600"/>
+                  </a:cubicBezTo>
+                  <a:lnTo>
+                    <a:pt x="101602" y="609600"/>
+                  </a:lnTo>
+                  <a:cubicBezTo>
+                    <a:pt x="45489" y="609600"/>
+                    <a:pt x="0" y="564111"/>
+                    <a:pt x="0" y="507998"/>
+                  </a:cubicBezTo>
+                  <a:lnTo>
+                    <a:pt x="0" y="101602"/>
+                  </a:lnTo>
+                  <a:cubicBezTo>
+                    <a:pt x="0" y="45526"/>
+                    <a:pt x="45526" y="0"/>
+                    <a:pt x="101602" y="0"/>
+                  </a:cubicBezTo>
+                  <a:close/>
+                </a:path>
+              </a:pathLst>
+            </a:custGeom>
+            <a:solidFill>
+              <a:srgbClr val="E5A044">
+                <a:alpha val="20000"/>
+              </a:srgbClr>
+            </a:solidFill>
+          </p:spPr>
+        </p:sp>
+        <p:sp>
+          <p:nvSpPr>
+            <p:cNvPr id="13" name="Shape 10"/>
+            <p:cNvSpPr/>
+            <p:nvPr>
+              <p:custDataLst>
+                <p:tags r:id="rId8"/>
+              </p:custDataLst>
+            </p:nvPr>
+          </p:nvSpPr>
+          <p:spPr>
+            <a:xfrm>
+              <a:off x="4070" y="9001"/>
+              <a:ext cx="480" cy="480"/>
+            </a:xfrm>
+            <a:custGeom>
+              <a:avLst/>
+              <a:gdLst/>
+              <a:ahLst/>
+              <a:cxnLst/>
+              <a:rect l="l" t="t" r="r" b="b"/>
+              <a:pathLst>
+                <a:path w="304800" h="304800">
+                  <a:moveTo>
+                    <a:pt x="103525" y="236577"/>
+                  </a:moveTo>
+                  <a:cubicBezTo>
+                    <a:pt x="103525" y="237768"/>
+                    <a:pt x="102156" y="238720"/>
+                    <a:pt x="100429" y="238720"/>
+                  </a:cubicBezTo>
+                  <a:cubicBezTo>
+                    <a:pt x="98465" y="238899"/>
+                    <a:pt x="97095" y="237946"/>
+                    <a:pt x="97095" y="236577"/>
+                  </a:cubicBezTo>
+                  <a:cubicBezTo>
+                    <a:pt x="97095" y="235387"/>
+                    <a:pt x="98465" y="234434"/>
+                    <a:pt x="100191" y="234434"/>
+                  </a:cubicBezTo>
+                  <a:cubicBezTo>
+                    <a:pt x="101977" y="234255"/>
+                    <a:pt x="103525" y="235208"/>
+                    <a:pt x="103525" y="236577"/>
+                  </a:cubicBezTo>
+                  <a:close/>
+                  <a:moveTo>
+                    <a:pt x="85011" y="233898"/>
+                  </a:moveTo>
+                  <a:cubicBezTo>
+                    <a:pt x="84594" y="235089"/>
+                    <a:pt x="85785" y="236458"/>
+                    <a:pt x="87570" y="236815"/>
+                  </a:cubicBezTo>
+                  <a:cubicBezTo>
+                    <a:pt x="89118" y="237411"/>
+                    <a:pt x="90904" y="236815"/>
+                    <a:pt x="91261" y="235625"/>
+                  </a:cubicBezTo>
+                  <a:cubicBezTo>
+                    <a:pt x="91619" y="234434"/>
+                    <a:pt x="90488" y="233065"/>
+                    <a:pt x="88702" y="232529"/>
+                  </a:cubicBezTo>
+                  <a:cubicBezTo>
+                    <a:pt x="87154" y="232112"/>
+                    <a:pt x="85427" y="232708"/>
+                    <a:pt x="85011" y="233898"/>
+                  </a:cubicBezTo>
+                  <a:close/>
+                  <a:moveTo>
+                    <a:pt x="111323" y="232886"/>
+                  </a:moveTo>
+                  <a:cubicBezTo>
+                    <a:pt x="109597" y="233303"/>
+                    <a:pt x="108406" y="234434"/>
+                    <a:pt x="108585" y="235803"/>
+                  </a:cubicBezTo>
+                  <a:cubicBezTo>
+                    <a:pt x="108764" y="236994"/>
+                    <a:pt x="110311" y="237768"/>
+                    <a:pt x="112097" y="237351"/>
+                  </a:cubicBezTo>
+                  <a:cubicBezTo>
+                    <a:pt x="113824" y="236934"/>
+                    <a:pt x="115014" y="235803"/>
+                    <a:pt x="114836" y="234613"/>
+                  </a:cubicBezTo>
+                  <a:cubicBezTo>
+                    <a:pt x="114657" y="233482"/>
+                    <a:pt x="113050" y="232708"/>
+                    <a:pt x="111323" y="232886"/>
+                  </a:cubicBezTo>
+                  <a:close/>
+                  <a:moveTo>
+                    <a:pt x="150495" y="4763"/>
+                  </a:moveTo>
+                  <a:cubicBezTo>
+                    <a:pt x="67925" y="4763"/>
+                    <a:pt x="4763" y="67449"/>
+                    <a:pt x="4763" y="150019"/>
+                  </a:cubicBezTo>
+                  <a:cubicBezTo>
+                    <a:pt x="4763" y="216039"/>
+                    <a:pt x="46315" y="272534"/>
+                    <a:pt x="105668" y="292418"/>
+                  </a:cubicBezTo>
+                  <a:cubicBezTo>
+                    <a:pt x="113288" y="293787"/>
+                    <a:pt x="115967" y="289084"/>
+                    <a:pt x="115967" y="285214"/>
+                  </a:cubicBezTo>
+                  <a:cubicBezTo>
+                    <a:pt x="115967" y="281523"/>
+                    <a:pt x="115788" y="261164"/>
+                    <a:pt x="115788" y="248662"/>
+                  </a:cubicBezTo>
+                  <a:cubicBezTo>
+                    <a:pt x="115788" y="248662"/>
+                    <a:pt x="74116" y="257592"/>
+                    <a:pt x="65365" y="230922"/>
+                  </a:cubicBezTo>
+                  <a:cubicBezTo>
+                    <a:pt x="65365" y="230922"/>
+                    <a:pt x="58579" y="213598"/>
+                    <a:pt x="48816" y="209133"/>
+                  </a:cubicBezTo>
+                  <a:cubicBezTo>
+                    <a:pt x="48816" y="209133"/>
+                    <a:pt x="35183" y="199787"/>
+                    <a:pt x="49768" y="199965"/>
+                  </a:cubicBezTo>
+                  <a:cubicBezTo>
+                    <a:pt x="49768" y="199965"/>
+                    <a:pt x="64591" y="201156"/>
+                    <a:pt x="72747" y="215325"/>
+                  </a:cubicBezTo>
+                  <a:cubicBezTo>
+                    <a:pt x="85785" y="238304"/>
+                    <a:pt x="107633" y="231696"/>
+                    <a:pt x="116145" y="227767"/>
+                  </a:cubicBezTo>
+                  <a:cubicBezTo>
+                    <a:pt x="117515" y="218242"/>
+                    <a:pt x="121384" y="211634"/>
+                    <a:pt x="125670" y="207705"/>
+                  </a:cubicBezTo>
+                  <a:cubicBezTo>
+                    <a:pt x="92393" y="204014"/>
+                    <a:pt x="58817" y="199192"/>
+                    <a:pt x="58817" y="141923"/>
+                  </a:cubicBezTo>
+                  <a:cubicBezTo>
+                    <a:pt x="58817" y="125551"/>
+                    <a:pt x="63341" y="117336"/>
+                    <a:pt x="72866" y="106859"/>
+                  </a:cubicBezTo>
+                  <a:cubicBezTo>
+                    <a:pt x="71318" y="102989"/>
+                    <a:pt x="66258" y="87035"/>
+                    <a:pt x="74414" y="66437"/>
+                  </a:cubicBezTo>
+                  <a:cubicBezTo>
+                    <a:pt x="86856" y="62567"/>
+                    <a:pt x="115491" y="82510"/>
+                    <a:pt x="115491" y="82510"/>
+                  </a:cubicBezTo>
+                  <a:cubicBezTo>
+                    <a:pt x="127397" y="79177"/>
+                    <a:pt x="140196" y="77450"/>
+                    <a:pt x="152876" y="77450"/>
+                  </a:cubicBezTo>
+                  <a:cubicBezTo>
+                    <a:pt x="165556" y="77450"/>
+                    <a:pt x="178356" y="79177"/>
+                    <a:pt x="190262" y="82510"/>
+                  </a:cubicBezTo>
+                  <a:cubicBezTo>
+                    <a:pt x="190262" y="82510"/>
+                    <a:pt x="218896" y="62508"/>
+                    <a:pt x="231338" y="66437"/>
+                  </a:cubicBezTo>
+                  <a:cubicBezTo>
+                    <a:pt x="239494" y="87094"/>
+                    <a:pt x="234434" y="102989"/>
+                    <a:pt x="232886" y="106859"/>
+                  </a:cubicBezTo>
+                  <a:cubicBezTo>
+                    <a:pt x="242411" y="117396"/>
+                    <a:pt x="248245" y="125611"/>
+                    <a:pt x="248245" y="141923"/>
+                  </a:cubicBezTo>
+                  <a:cubicBezTo>
+                    <a:pt x="248245" y="199370"/>
+                    <a:pt x="213181" y="203954"/>
+                    <a:pt x="179903" y="207705"/>
+                  </a:cubicBezTo>
+                  <a:cubicBezTo>
+                    <a:pt x="185380" y="212407"/>
+                    <a:pt x="190024" y="221337"/>
+                    <a:pt x="190024" y="235327"/>
+                  </a:cubicBezTo>
+                  <a:cubicBezTo>
+                    <a:pt x="190024" y="255389"/>
+                    <a:pt x="189845" y="280214"/>
+                    <a:pt x="189845" y="285095"/>
+                  </a:cubicBezTo>
+                  <a:cubicBezTo>
+                    <a:pt x="189845" y="288965"/>
+                    <a:pt x="192584" y="293668"/>
+                    <a:pt x="200144" y="292298"/>
+                  </a:cubicBezTo>
+                  <a:cubicBezTo>
+                    <a:pt x="259675" y="272534"/>
+                    <a:pt x="300038" y="216039"/>
+                    <a:pt x="300038" y="150019"/>
+                  </a:cubicBezTo>
+                  <a:cubicBezTo>
+                    <a:pt x="300038" y="67449"/>
+                    <a:pt x="233065" y="4763"/>
+                    <a:pt x="150495" y="4763"/>
+                  </a:cubicBezTo>
+                  <a:close/>
+                  <a:moveTo>
+                    <a:pt x="62627" y="210086"/>
+                  </a:moveTo>
+                  <a:cubicBezTo>
+                    <a:pt x="61853" y="210681"/>
+                    <a:pt x="62032" y="212050"/>
+                    <a:pt x="63044" y="213181"/>
+                  </a:cubicBezTo>
+                  <a:cubicBezTo>
+                    <a:pt x="63996" y="214134"/>
+                    <a:pt x="65365" y="214551"/>
+                    <a:pt x="66139" y="213777"/>
+                  </a:cubicBezTo>
+                  <a:cubicBezTo>
+                    <a:pt x="66913" y="213181"/>
+                    <a:pt x="66735" y="211812"/>
+                    <a:pt x="65723" y="210681"/>
+                  </a:cubicBezTo>
+                  <a:cubicBezTo>
+                    <a:pt x="64770" y="209729"/>
+                    <a:pt x="63401" y="209312"/>
+                    <a:pt x="62627" y="210086"/>
+                  </a:cubicBezTo>
+                  <a:close/>
+                  <a:moveTo>
+                    <a:pt x="56198" y="205264"/>
+                  </a:moveTo>
+                  <a:cubicBezTo>
+                    <a:pt x="55781" y="206038"/>
+                    <a:pt x="56376" y="206990"/>
+                    <a:pt x="57567" y="207585"/>
+                  </a:cubicBezTo>
+                  <a:cubicBezTo>
+                    <a:pt x="58519" y="208181"/>
+                    <a:pt x="59710" y="208002"/>
+                    <a:pt x="60127" y="207169"/>
+                  </a:cubicBezTo>
+                  <a:cubicBezTo>
+                    <a:pt x="60543" y="206395"/>
+                    <a:pt x="59948" y="205442"/>
+                    <a:pt x="58757" y="204847"/>
+                  </a:cubicBezTo>
+                  <a:cubicBezTo>
+                    <a:pt x="57567" y="204490"/>
+                    <a:pt x="56614" y="204668"/>
+                    <a:pt x="56198" y="205264"/>
+                  </a:cubicBezTo>
+                  <a:close/>
+                  <a:moveTo>
+                    <a:pt x="75486" y="226457"/>
+                  </a:moveTo>
+                  <a:cubicBezTo>
+                    <a:pt x="74533" y="227231"/>
+                    <a:pt x="74890" y="229017"/>
+                    <a:pt x="76260" y="230148"/>
+                  </a:cubicBezTo>
+                  <a:cubicBezTo>
+                    <a:pt x="77629" y="231517"/>
+                    <a:pt x="79355" y="231696"/>
+                    <a:pt x="80129" y="230743"/>
+                  </a:cubicBezTo>
+                  <a:cubicBezTo>
+                    <a:pt x="80903" y="229969"/>
+                    <a:pt x="80546" y="228183"/>
+                    <a:pt x="79355" y="227052"/>
+                  </a:cubicBezTo>
+                  <a:cubicBezTo>
+                    <a:pt x="78045" y="225683"/>
+                    <a:pt x="76260" y="225504"/>
+                    <a:pt x="75486" y="226457"/>
+                  </a:cubicBezTo>
+                  <a:close/>
+                  <a:moveTo>
+                    <a:pt x="68699" y="217706"/>
+                  </a:moveTo>
+                  <a:cubicBezTo>
+                    <a:pt x="67747" y="218301"/>
+                    <a:pt x="67747" y="219849"/>
+                    <a:pt x="68699" y="221218"/>
+                  </a:cubicBezTo>
+                  <a:cubicBezTo>
+                    <a:pt x="69652" y="222587"/>
+                    <a:pt x="71259" y="223183"/>
+                    <a:pt x="72033" y="222587"/>
+                  </a:cubicBezTo>
+                  <a:cubicBezTo>
+                    <a:pt x="72985" y="221813"/>
+                    <a:pt x="72985" y="220266"/>
+                    <a:pt x="72033" y="218896"/>
+                  </a:cubicBezTo>
+                  <a:cubicBezTo>
+                    <a:pt x="71199" y="217527"/>
+                    <a:pt x="69652" y="216932"/>
+                    <a:pt x="68699" y="217706"/>
+                  </a:cubicBezTo>
+                  <a:close/>
+                </a:path>
+              </a:pathLst>
+            </a:custGeom>
+            <a:solidFill>
+              <a:srgbClr val="E5A044"/>
+            </a:solidFill>
+          </p:spPr>
+        </p:sp>
+        <p:sp>
+          <p:nvSpPr>
+            <p:cNvPr id="14" name="Text 11"/>
+            <p:cNvSpPr/>
+            <p:nvPr>
+              <p:custDataLst>
+                <p:tags r:id="rId9"/>
+              </p:custDataLst>
+            </p:nvPr>
+          </p:nvSpPr>
+          <p:spPr>
+            <a:xfrm>
+              <a:off x="5030" y="8761"/>
+              <a:ext cx="1300" cy="400"/>
+            </a:xfrm>
+            <a:prstGeom prst="rect">
+              <a:avLst/>
+            </a:prstGeom>
+            <a:noFill/>
+          </p:spPr>
+          <p:txBody>
+            <a:bodyPr wrap="square" lIns="0" tIns="0" rIns="0" bIns="0" rtlCol="0" anchor="ctr"/>
+            <a:lstStyle/>
+            <a:p>
+              <a:pPr>
+                <a:lnSpc>
+                  <a:spcPct val="120000"/>
+                </a:lnSpc>
+              </a:pPr>
+              <a:r>
+                <a:rPr lang="en-US" sz="1400" dirty="0">
+                  <a:solidFill>
+                    <a:srgbClr val="E0E2E6">
+                      <a:alpha val="60000"/>
+                    </a:srgbClr>
+                  </a:solidFill>
+                  <a:latin typeface="MiSans" pitchFamily="34" charset="-122"/>
+                  <a:ea typeface="MiSans" pitchFamily="34" charset="-122"/>
+                  <a:cs typeface="MiSans" pitchFamily="34" charset="-120"/>
+                </a:rPr>
+                <a:t>目标平台</a:t>
+              </a:r>
+              <a:endParaRPr lang="en-US" sz="1600" dirty="0"/>
+            </a:p>
+          </p:txBody>
+        </p:sp>
+        <p:sp>
+          <p:nvSpPr>
+            <p:cNvPr id="15" name="Text 12"/>
+            <p:cNvSpPr/>
+            <p:nvPr>
+              <p:custDataLst>
+                <p:tags r:id="rId10"/>
+              </p:custDataLst>
+            </p:nvPr>
+          </p:nvSpPr>
+          <p:spPr>
+            <a:xfrm>
+              <a:off x="5030" y="9161"/>
+              <a:ext cx="1340" cy="560"/>
+            </a:xfrm>
+            <a:prstGeom prst="rect">
+              <a:avLst/>
+            </a:prstGeom>
+            <a:noFill/>
+          </p:spPr>
+          <p:txBody>
+            <a:bodyPr wrap="square" lIns="0" tIns="0" rIns="0" bIns="0" rtlCol="0" anchor="ctr"/>
+            <a:lstStyle/>
+            <a:p>
+              <a:pPr>
+                <a:lnSpc>
+                  <a:spcPct val="130000"/>
+                </a:lnSpc>
+              </a:pPr>
+              <a:r>
+                <a:rPr lang="en-US" sz="1800" b="1" dirty="0">
+                  <a:solidFill>
+                    <a:srgbClr val="E0E2E6"/>
+                  </a:solidFill>
+                  <a:latin typeface="MiSans" pitchFamily="34" charset="-122"/>
+                  <a:ea typeface="MiSans" pitchFamily="34" charset="-122"/>
+                  <a:cs typeface="MiSans" pitchFamily="34" charset="-120"/>
+                </a:rPr>
+                <a:t>GitHub</a:t>
+              </a:r>
+              <a:endParaRPr lang="en-US" sz="1600" dirty="0"/>
+            </a:p>
+          </p:txBody>
+        </p:sp>
+        <p:sp>
+          <p:nvSpPr>
+            <p:cNvPr id="16" name="Shape 13"/>
+            <p:cNvSpPr/>
+            <p:nvPr>
+              <p:custDataLst>
+                <p:tags r:id="rId11"/>
+              </p:custDataLst>
+            </p:nvPr>
+          </p:nvSpPr>
+          <p:spPr>
+            <a:xfrm>
+              <a:off x="6826" y="8761"/>
+              <a:ext cx="960" cy="960"/>
+            </a:xfrm>
+            <a:custGeom>
+              <a:avLst/>
+              <a:gdLst/>
+              <a:ahLst/>
+              <a:cxnLst/>
+              <a:rect l="l" t="t" r="r" b="b"/>
+              <a:pathLst>
+                <a:path w="609600" h="609600">
+                  <a:moveTo>
+                    <a:pt x="101602" y="0"/>
+                  </a:moveTo>
+                  <a:lnTo>
+                    <a:pt x="507998" y="0"/>
+                  </a:lnTo>
+                  <a:cubicBezTo>
+                    <a:pt x="564111" y="0"/>
+                    <a:pt x="609600" y="45489"/>
+                    <a:pt x="609600" y="101602"/>
+                  </a:cubicBezTo>
+                  <a:lnTo>
+                    <a:pt x="609600" y="507998"/>
+                  </a:lnTo>
+                  <a:cubicBezTo>
+                    <a:pt x="609600" y="564111"/>
+                    <a:pt x="564111" y="609600"/>
+                    <a:pt x="507998" y="609600"/>
+                  </a:cubicBezTo>
+                  <a:lnTo>
+                    <a:pt x="101602" y="609600"/>
+                  </a:lnTo>
+                  <a:cubicBezTo>
+                    <a:pt x="45489" y="609600"/>
+                    <a:pt x="0" y="564111"/>
+                    <a:pt x="0" y="507998"/>
+                  </a:cubicBezTo>
+                  <a:lnTo>
+                    <a:pt x="0" y="101602"/>
+                  </a:lnTo>
+                  <a:cubicBezTo>
+                    <a:pt x="0" y="45526"/>
+                    <a:pt x="45526" y="0"/>
+                    <a:pt x="101602" y="0"/>
+                  </a:cubicBezTo>
+                  <a:close/>
+                </a:path>
+              </a:pathLst>
+            </a:custGeom>
+            <a:solidFill>
+              <a:srgbClr val="3D8F8A">
+                <a:alpha val="20000"/>
+              </a:srgbClr>
+            </a:solidFill>
+          </p:spPr>
+        </p:sp>
+        <p:sp>
+          <p:nvSpPr>
+            <p:cNvPr id="17" name="Shape 14"/>
+            <p:cNvSpPr/>
+            <p:nvPr>
+              <p:custDataLst>
+                <p:tags r:id="rId12"/>
+              </p:custDataLst>
+            </p:nvPr>
+          </p:nvSpPr>
+          <p:spPr>
+            <a:xfrm>
+              <a:off x="7096" y="9001"/>
+              <a:ext cx="420" cy="480"/>
+            </a:xfrm>
+            <a:custGeom>
+              <a:avLst/>
+              <a:gdLst/>
+              <a:ahLst/>
+              <a:cxnLst/>
+              <a:rect l="l" t="t" r="r" b="b"/>
+              <a:pathLst>
+                <a:path w="266700" h="304800">
+                  <a:moveTo>
+                    <a:pt x="76200" y="-19050"/>
+                  </a:moveTo>
+                  <a:cubicBezTo>
+                    <a:pt x="86737" y="-19050"/>
+                    <a:pt x="95250" y="-10537"/>
+                    <a:pt x="95250" y="0"/>
+                  </a:cubicBezTo>
+                  <a:lnTo>
+                    <a:pt x="95250" y="57150"/>
+                  </a:lnTo>
+                  <a:lnTo>
+                    <a:pt x="171450" y="57150"/>
+                  </a:lnTo>
+                  <a:lnTo>
+                    <a:pt x="171450" y="0"/>
+                  </a:lnTo>
+                  <a:cubicBezTo>
+                    <a:pt x="171450" y="-10537"/>
+                    <a:pt x="179963" y="-19050"/>
+                    <a:pt x="190500" y="-19050"/>
+                  </a:cubicBezTo>
+                  <a:cubicBezTo>
+                    <a:pt x="201037" y="-19050"/>
+                    <a:pt x="209550" y="-10537"/>
+                    <a:pt x="209550" y="0"/>
+                  </a:cubicBezTo>
+                  <a:lnTo>
+                    <a:pt x="209550" y="57150"/>
+                  </a:lnTo>
+                  <a:lnTo>
+                    <a:pt x="247650" y="57150"/>
+                  </a:lnTo>
+                  <a:cubicBezTo>
+                    <a:pt x="258187" y="57150"/>
+                    <a:pt x="266700" y="65663"/>
+                    <a:pt x="266700" y="76200"/>
+                  </a:cubicBezTo>
+                  <a:cubicBezTo>
+                    <a:pt x="266700" y="86737"/>
+                    <a:pt x="258187" y="95250"/>
+                    <a:pt x="247650" y="95250"/>
+                  </a:cubicBezTo>
+                  <a:lnTo>
+                    <a:pt x="247650" y="133350"/>
+                  </a:lnTo>
+                  <a:cubicBezTo>
+                    <a:pt x="247650" y="189964"/>
+                    <a:pt x="206454" y="236994"/>
+                    <a:pt x="152400" y="246043"/>
+                  </a:cubicBezTo>
+                  <a:lnTo>
+                    <a:pt x="152400" y="285750"/>
+                  </a:lnTo>
+                  <a:cubicBezTo>
+                    <a:pt x="152400" y="296287"/>
+                    <a:pt x="143887" y="304800"/>
+                    <a:pt x="133350" y="304800"/>
+                  </a:cubicBezTo>
+                  <a:cubicBezTo>
+                    <a:pt x="122813" y="304800"/>
+                    <a:pt x="114300" y="296287"/>
+                    <a:pt x="114300" y="285750"/>
+                  </a:cubicBezTo>
+                  <a:lnTo>
+                    <a:pt x="114300" y="246043"/>
+                  </a:lnTo>
+                  <a:cubicBezTo>
+                    <a:pt x="60246" y="236994"/>
+                    <a:pt x="19050" y="189964"/>
+                    <a:pt x="19050" y="133350"/>
+                  </a:cubicBezTo>
+                  <a:lnTo>
+                    <a:pt x="19050" y="95250"/>
+                  </a:lnTo>
+                  <a:cubicBezTo>
+                    <a:pt x="8513" y="95250"/>
+                    <a:pt x="0" y="86737"/>
+                    <a:pt x="0" y="76200"/>
+                  </a:cubicBezTo>
+                  <a:cubicBezTo>
+                    <a:pt x="0" y="65663"/>
+                    <a:pt x="8513" y="57150"/>
+                    <a:pt x="19050" y="57150"/>
+                  </a:cubicBezTo>
+                  <a:lnTo>
+                    <a:pt x="57150" y="57150"/>
+                  </a:lnTo>
+                  <a:lnTo>
+                    <a:pt x="57150" y="0"/>
+                  </a:lnTo>
+                  <a:cubicBezTo>
+                    <a:pt x="57150" y="-10537"/>
+                    <a:pt x="65663" y="-19050"/>
+                    <a:pt x="76200" y="-19050"/>
+                  </a:cubicBezTo>
+                  <a:close/>
+                </a:path>
+              </a:pathLst>
+            </a:custGeom>
+            <a:solidFill>
+              <a:srgbClr val="3D8F8A"/>
+            </a:solidFill>
+          </p:spPr>
+        </p:sp>
+        <p:sp>
+          <p:nvSpPr>
+            <p:cNvPr id="18" name="Text 15"/>
+            <p:cNvSpPr/>
+            <p:nvPr>
+              <p:custDataLst>
+                <p:tags r:id="rId13"/>
+              </p:custDataLst>
+            </p:nvPr>
+          </p:nvSpPr>
+          <p:spPr>
+            <a:xfrm>
+              <a:off x="8026" y="8761"/>
+              <a:ext cx="1940" cy="400"/>
+            </a:xfrm>
+            <a:prstGeom prst="rect">
+              <a:avLst/>
+            </a:prstGeom>
+            <a:noFill/>
+          </p:spPr>
+          <p:txBody>
+            <a:bodyPr wrap="square" lIns="0" tIns="0" rIns="0" bIns="0" rtlCol="0" anchor="ctr"/>
+            <a:lstStyle/>
+            <a:p>
+              <a:pPr>
+                <a:lnSpc>
+                  <a:spcPct val="120000"/>
+                </a:lnSpc>
+              </a:pPr>
+              <a:r>
+                <a:rPr lang="zh-CN" altLang="en-US" sz="1400" dirty="0">
+                  <a:solidFill>
+                    <a:srgbClr val="E0E2E6">
+                      <a:alpha val="60000"/>
+                    </a:srgbClr>
+                  </a:solidFill>
+                  <a:latin typeface="MiSans" pitchFamily="34" charset="-122"/>
+                  <a:ea typeface="MiSans" pitchFamily="34" charset="-122"/>
+                  <a:cs typeface="MiSans" pitchFamily="34" charset="-120"/>
+                </a:rPr>
+                <a:t>最终</a:t>
+              </a:r>
+              <a:r>
+                <a:rPr lang="en-US" sz="1400" dirty="0">
+                  <a:solidFill>
+                    <a:srgbClr val="E0E2E6">
+                      <a:alpha val="60000"/>
+                    </a:srgbClr>
+                  </a:solidFill>
+                  <a:latin typeface="MiSans" pitchFamily="34" charset="-122"/>
+                  <a:ea typeface="MiSans" pitchFamily="34" charset="-122"/>
+                  <a:cs typeface="MiSans" pitchFamily="34" charset="-120"/>
+                </a:rPr>
+                <a:t>形态</a:t>
+              </a:r>
+              <a:endParaRPr lang="en-US" sz="1600" dirty="0"/>
+            </a:p>
+          </p:txBody>
+        </p:sp>
+        <p:sp>
+          <p:nvSpPr>
+            <p:cNvPr id="19" name="Text 16"/>
+            <p:cNvSpPr/>
+            <p:nvPr>
+              <p:custDataLst>
+                <p:tags r:id="rId14"/>
+              </p:custDataLst>
+            </p:nvPr>
+          </p:nvSpPr>
+          <p:spPr>
+            <a:xfrm>
+              <a:off x="8026" y="9161"/>
+              <a:ext cx="1980" cy="560"/>
+            </a:xfrm>
+            <a:prstGeom prst="rect">
+              <a:avLst/>
+            </a:prstGeom>
+            <a:noFill/>
+          </p:spPr>
+          <p:txBody>
+            <a:bodyPr wrap="square" lIns="0" tIns="0" rIns="0" bIns="0" rtlCol="0" anchor="ctr"/>
+            <a:lstStyle/>
+            <a:p>
+              <a:pPr>
+                <a:lnSpc>
+                  <a:spcPct val="130000"/>
+                </a:lnSpc>
+              </a:pPr>
+              <a:r>
+                <a:rPr lang="en-US" sz="1800" b="1" dirty="0">
+                  <a:solidFill>
+                    <a:srgbClr val="E0E2E6"/>
+                  </a:solidFill>
+                  <a:latin typeface="MiSans" pitchFamily="34" charset="-122"/>
+                  <a:ea typeface="MiSans" pitchFamily="34" charset="-122"/>
+                  <a:cs typeface="MiSans" pitchFamily="34" charset="-120"/>
+                </a:rPr>
+                <a:t>浏览器插件</a:t>
+              </a:r>
+              <a:endParaRPr lang="en-US" sz="1600" dirty="0"/>
+            </a:p>
+          </p:txBody>
+        </p:sp>
+      </p:grpSp>
       <p:sp>
         <p:nvSpPr>
           <p:cNvPr id="20" name="Shape 17"/>
@@ -3803,7 +3892,7 @@
               </a:lnSpc>
             </a:pPr>
             <a:r>
-              <a:rPr lang="zh-CN" altLang="en-US" sz="1600" dirty="0">
+              <a:rPr lang="zh-CN" altLang="en-US" dirty="0">
                 <a:solidFill>
                   <a:srgbClr val="E0E2E6">
                     <a:alpha val="60000"/>
@@ -3816,7 +3905,7 @@
               <a:t>华东师范大学</a:t>
             </a:r>
             <a:r>
-              <a:rPr lang="en-US" altLang="zh-CN" sz="1600" dirty="0">
+              <a:rPr lang="en-US" altLang="zh-CN" dirty="0">
                 <a:solidFill>
                   <a:srgbClr val="E0E2E6">
                     <a:alpha val="60000"/>
@@ -3829,7 +3918,7 @@
               <a:t> </a:t>
             </a:r>
             <a:r>
-              <a:rPr lang="zh-CN" altLang="en-US" sz="1600" dirty="0">
+              <a:rPr lang="zh-CN" altLang="en-US" dirty="0">
                 <a:solidFill>
                   <a:srgbClr val="E0E2E6">
                     <a:alpha val="60000"/>
@@ -3842,7 +3931,7 @@
               <a:t>数据科学与</a:t>
             </a:r>
             <a:r>
-              <a:rPr lang="zh-CN" altLang="en-US" sz="1600" dirty="0">
+              <a:rPr lang="zh-CN" altLang="en-US" dirty="0">
                 <a:solidFill>
                   <a:srgbClr val="E0E2E6">
                     <a:alpha val="60000"/>
@@ -3854,7 +3943,7 @@
               </a:rPr>
               <a:t>工程学院</a:t>
             </a:r>
-            <a:endParaRPr lang="zh-CN" altLang="en-US" sz="1600" dirty="0">
+            <a:endParaRPr lang="zh-CN" altLang="en-US" dirty="0">
               <a:solidFill>
                 <a:srgbClr val="E0E2E6">
                   <a:alpha val="60000"/>
@@ -3920,7 +4009,7 @@
         <p:grpSpPr>
           <a:xfrm>
             <a:off x="473075" y="8063230"/>
-            <a:ext cx="6155690" cy="339725"/>
+            <a:ext cx="4301490" cy="339725"/>
             <a:chOff x="630" y="6171"/>
             <a:chExt cx="23520" cy="3440"/>
           </a:xfrm>
@@ -3931,7 +4020,7 @@
             <p:cNvSpPr/>
             <p:nvPr>
               <p:custDataLst>
-                <p:tags r:id="rId2"/>
+                <p:tags r:id="rId15"/>
               </p:custDataLst>
             </p:nvPr>
           </p:nvSpPr>
@@ -4010,7 +4099,7 @@
             <p:cNvSpPr/>
             <p:nvPr>
               <p:custDataLst>
-                <p:tags r:id="rId3"/>
+                <p:tags r:id="rId16"/>
               </p:custDataLst>
             </p:nvPr>
           </p:nvSpPr>
@@ -4067,7 +4156,7 @@
             <p:cNvSpPr/>
             <p:nvPr>
               <p:custDataLst>
-                <p:tags r:id="rId4"/>
+                <p:tags r:id="rId17"/>
               </p:custDataLst>
             </p:nvPr>
           </p:nvSpPr>
@@ -4134,7 +4223,7 @@
             <p:cNvSpPr/>
             <p:nvPr>
               <p:custDataLst>
-                <p:tags r:id="rId5"/>
+                <p:tags r:id="rId18"/>
               </p:custDataLst>
             </p:nvPr>
           </p:nvSpPr>
@@ -4185,7 +4274,7 @@
             <p:cNvSpPr/>
             <p:nvPr>
               <p:custDataLst>
-                <p:tags r:id="rId6"/>
+                <p:tags r:id="rId19"/>
               </p:custDataLst>
             </p:nvPr>
           </p:nvSpPr>
@@ -4264,7 +4353,7 @@
             <p:cNvSpPr/>
             <p:nvPr>
               <p:custDataLst>
-                <p:tags r:id="rId7"/>
+                <p:tags r:id="rId20"/>
               </p:custDataLst>
             </p:nvPr>
           </p:nvSpPr>
@@ -4321,7 +4410,7 @@
             <p:cNvSpPr/>
             <p:nvPr>
               <p:custDataLst>
-                <p:tags r:id="rId8"/>
+                <p:tags r:id="rId21"/>
               </p:custDataLst>
             </p:nvPr>
           </p:nvSpPr>
@@ -4388,7 +4477,7 @@
             <p:cNvSpPr/>
             <p:nvPr>
               <p:custDataLst>
-                <p:tags r:id="rId9"/>
+                <p:tags r:id="rId22"/>
               </p:custDataLst>
             </p:nvPr>
           </p:nvSpPr>
@@ -4443,7 +4532,7 @@
           <p:nvPr/>
         </p:nvPicPr>
         <p:blipFill>
-          <a:blip r:embed="rId10"/>
+          <a:blip r:embed="rId23"/>
           <a:stretch>
             <a:fillRect/>
           </a:stretch>
@@ -4467,7 +4556,7 @@
         <p:spPr>
           <a:xfrm>
             <a:off x="494030" y="4514215"/>
-            <a:ext cx="6120765" cy="398780"/>
+            <a:ext cx="6120765" cy="706755"/>
           </a:xfrm>
           <a:prstGeom prst="rect">
             <a:avLst/>
@@ -4494,6 +4583,47 @@
               <a:t>赛题选择：开源社区运营相关的工具与服务作品</a:t>
             </a:r>
             <a:endParaRPr lang="zh-CN" altLang="en-US" sz="2000" dirty="0">
+              <a:solidFill>
+                <a:srgbClr val="E0E2E6">
+                  <a:alpha val="80000"/>
+                </a:srgbClr>
+              </a:solidFill>
+              <a:latin typeface="微软雅黑" panose="020B0503020204020204" charset="-122"/>
+              <a:ea typeface="微软雅黑" panose="020B0503020204020204" charset="-122"/>
+              <a:cs typeface="MiSans" pitchFamily="34" charset="-120"/>
+              <a:sym typeface="+mn-ea"/>
+            </a:endParaRPr>
+          </a:p>
+          <a:p>
+            <a:r>
+              <a:rPr lang="zh-CN" altLang="en-US" sz="2000" dirty="0">
+                <a:solidFill>
+                  <a:srgbClr val="E0E2E6">
+                    <a:alpha val="80000"/>
+                  </a:srgbClr>
+                </a:solidFill>
+                <a:latin typeface="微软雅黑" panose="020B0503020204020204" charset="-122"/>
+                <a:ea typeface="微软雅黑" panose="020B0503020204020204" charset="-122"/>
+                <a:cs typeface="MiSans" pitchFamily="34" charset="-120"/>
+                <a:sym typeface="+mn-ea"/>
+              </a:rPr>
+              <a:t>开源项目选择：</a:t>
+            </a:r>
+            <a:r>
+              <a:rPr lang="en-US" altLang="zh-CN" sz="2000" dirty="0">
+                <a:solidFill>
+                  <a:srgbClr val="E0E2E6">
+                    <a:alpha val="80000"/>
+                  </a:srgbClr>
+                </a:solidFill>
+                <a:latin typeface="微软雅黑" panose="020B0503020204020204" charset="-122"/>
+                <a:ea typeface="微软雅黑" panose="020B0503020204020204" charset="-122"/>
+                <a:cs typeface="MiSans" pitchFamily="34" charset="-120"/>
+                <a:sym typeface="+mn-ea"/>
+              </a:rPr>
+              <a:t>DataEase</a:t>
+            </a:r>
+            <a:endParaRPr lang="en-US" altLang="zh-CN" sz="2000" dirty="0">
               <a:solidFill>
                 <a:srgbClr val="E0E2E6">
                   <a:alpha val="80000"/>
@@ -23139,9 +23269,9 @@
                       <a:alpha val="80000"/>
                     </a:srgbClr>
                   </a:solidFill>
-                  <a:latin typeface="MiSans" pitchFamily="34" charset="-122"/>
-                  <a:ea typeface="MiSans" pitchFamily="34" charset="-122"/>
-                  <a:cs typeface="MiSans" pitchFamily="34" charset="-120"/>
+                  <a:latin typeface="微软雅黑" panose="020B0503020204020204" charset="-122"/>
+                  <a:ea typeface="微软雅黑" panose="020B0503020204020204" charset="-122"/>
+                  <a:cs typeface="微软雅黑" panose="020B0503020204020204" charset="-122"/>
                 </a:rPr>
                 <a:t>项目具备</a:t>
               </a:r>
@@ -23150,9 +23280,9 @@
                   <a:solidFill>
                     <a:srgbClr val="3D8F8A"/>
                   </a:solidFill>
-                  <a:latin typeface="MiSans" pitchFamily="34" charset="-122"/>
-                  <a:ea typeface="MiSans" pitchFamily="34" charset="-122"/>
-                  <a:cs typeface="MiSans" pitchFamily="34" charset="-120"/>
+                  <a:latin typeface="微软雅黑" panose="020B0503020204020204" charset="-122"/>
+                  <a:ea typeface="微软雅黑" panose="020B0503020204020204" charset="-122"/>
+                  <a:cs typeface="微软雅黑" panose="020B0503020204020204" charset="-122"/>
                 </a:rPr>
                 <a:t>明确的应用场景</a:t>
               </a:r>
@@ -23163,9 +23293,9 @@
                       <a:alpha val="80000"/>
                     </a:srgbClr>
                   </a:solidFill>
-                  <a:latin typeface="MiSans" pitchFamily="34" charset="-122"/>
-                  <a:ea typeface="MiSans" pitchFamily="34" charset="-122"/>
-                  <a:cs typeface="MiSans" pitchFamily="34" charset="-120"/>
+                  <a:latin typeface="微软雅黑" panose="020B0503020204020204" charset="-122"/>
+                  <a:ea typeface="微软雅黑" panose="020B0503020204020204" charset="-122"/>
+                  <a:cs typeface="微软雅黑" panose="020B0503020204020204" charset="-122"/>
                 </a:rPr>
                 <a:t>、</a:t>
               </a:r>
@@ -23174,9 +23304,9 @@
                   <a:solidFill>
                     <a:srgbClr val="E5A044"/>
                   </a:solidFill>
-                  <a:latin typeface="MiSans" pitchFamily="34" charset="-122"/>
-                  <a:ea typeface="MiSans" pitchFamily="34" charset="-122"/>
-                  <a:cs typeface="MiSans" pitchFamily="34" charset="-120"/>
+                  <a:latin typeface="微软雅黑" panose="020B0503020204020204" charset="-122"/>
+                  <a:ea typeface="微软雅黑" panose="020B0503020204020204" charset="-122"/>
+                  <a:cs typeface="微软雅黑" panose="020B0503020204020204" charset="-122"/>
                 </a:rPr>
                 <a:t>显著的价值效益</a:t>
               </a:r>
@@ -23187,9 +23317,9 @@
                       <a:alpha val="80000"/>
                     </a:srgbClr>
                   </a:solidFill>
-                  <a:latin typeface="MiSans" pitchFamily="34" charset="-122"/>
-                  <a:ea typeface="MiSans" pitchFamily="34" charset="-122"/>
-                  <a:cs typeface="MiSans" pitchFamily="34" charset="-120"/>
+                  <a:latin typeface="微软雅黑" panose="020B0503020204020204" charset="-122"/>
+                  <a:ea typeface="微软雅黑" panose="020B0503020204020204" charset="-122"/>
+                  <a:cs typeface="微软雅黑" panose="020B0503020204020204" charset="-122"/>
                 </a:rPr>
                 <a:t>和</a:t>
               </a:r>
@@ -23198,9 +23328,9 @@
                   <a:solidFill>
                     <a:srgbClr val="5A6472"/>
                   </a:solidFill>
-                  <a:latin typeface="MiSans" pitchFamily="34" charset="-122"/>
-                  <a:ea typeface="MiSans" pitchFamily="34" charset="-122"/>
-                  <a:cs typeface="MiSans" pitchFamily="34" charset="-120"/>
+                  <a:latin typeface="微软雅黑" panose="020B0503020204020204" charset="-122"/>
+                  <a:ea typeface="微软雅黑" panose="020B0503020204020204" charset="-122"/>
+                  <a:cs typeface="微软雅黑" panose="020B0503020204020204" charset="-122"/>
                 </a:rPr>
                 <a:t>清晰的推广路径</a:t>
               </a:r>
@@ -23211,22 +23341,24 @@
                       <a:alpha val="80000"/>
                     </a:srgbClr>
                   </a:solidFill>
-                  <a:latin typeface="MiSans" pitchFamily="34" charset="-122"/>
-                  <a:ea typeface="MiSans" pitchFamily="34" charset="-122"/>
-                  <a:cs typeface="MiSans" pitchFamily="34" charset="-120"/>
+                  <a:latin typeface="微软雅黑" panose="020B0503020204020204" charset="-122"/>
+                  <a:ea typeface="微软雅黑" panose="020B0503020204020204" charset="-122"/>
+                  <a:cs typeface="微软雅黑" panose="020B0503020204020204" charset="-122"/>
                 </a:rPr>
                 <a:t>。从浏览器插件起步,逐步扩展至IDE集成、CI/CD插件、企业级解决方案,形成完整的商业化路径。目标用户群体超过</a:t>
               </a:r>
               <a:r>
-                <a:rPr lang="en-US" sz="1335" b="1" dirty="0">
+                <a:rPr lang="zh-CN" altLang="en-US" sz="1335" dirty="0">
                   <a:solidFill>
-                    <a:srgbClr val="E5A044"/>
+                    <a:srgbClr val="E0E2E6">
+                      <a:alpha val="80000"/>
+                    </a:srgbClr>
                   </a:solidFill>
-                  <a:latin typeface="MiSans" pitchFamily="34" charset="-122"/>
-                  <a:ea typeface="MiSans" pitchFamily="34" charset="-122"/>
-                  <a:cs typeface="MiSans" pitchFamily="34" charset="-120"/>
+                  <a:latin typeface="微软雅黑" panose="020B0503020204020204" charset="-122"/>
+                  <a:ea typeface="微软雅黑" panose="020B0503020204020204" charset="-122"/>
+                  <a:cs typeface="微软雅黑" panose="020B0503020204020204" charset="-122"/>
                 </a:rPr>
-                <a:t>3000万</a:t>
+                <a:t>千万</a:t>
               </a:r>
               <a:r>
                 <a:rPr lang="en-US" sz="1335" dirty="0">
@@ -23235,13 +23367,17 @@
                       <a:alpha val="80000"/>
                     </a:srgbClr>
                   </a:solidFill>
-                  <a:latin typeface="MiSans" pitchFamily="34" charset="-122"/>
-                  <a:ea typeface="MiSans" pitchFamily="34" charset="-122"/>
-                  <a:cs typeface="MiSans" pitchFamily="34" charset="-120"/>
+                  <a:latin typeface="微软雅黑" panose="020B0503020204020204" charset="-122"/>
+                  <a:ea typeface="微软雅黑" panose="020B0503020204020204" charset="-122"/>
+                  <a:cs typeface="微软雅黑" panose="020B0503020204020204" charset="-122"/>
                 </a:rPr>
                 <a:t>,市场潜力巨大。</a:t>
               </a:r>
-              <a:endParaRPr lang="en-US" sz="1600" dirty="0"/>
+              <a:endParaRPr lang="en-US" sz="1600" dirty="0">
+                <a:latin typeface="微软雅黑" panose="020B0503020204020204" charset="-122"/>
+                <a:ea typeface="微软雅黑" panose="020B0503020204020204" charset="-122"/>
+                <a:cs typeface="微软雅黑" panose="020B0503020204020204" charset="-122"/>
+              </a:endParaRPr>
             </a:p>
           </p:txBody>
         </p:sp>
@@ -26090,7 +26226,7 @@
         </p:nvSpPr>
         <p:spPr>
           <a:xfrm>
-            <a:off x="474771" y="1746058"/>
+            <a:off x="440481" y="1742883"/>
             <a:ext cx="10519511" cy="1785296"/>
           </a:xfrm>
           <a:custGeom>
@@ -26173,7 +26309,7 @@
         </p:nvSpPr>
         <p:spPr>
           <a:xfrm>
-            <a:off x="761203" y="2032491"/>
+            <a:off x="726913" y="2029316"/>
             <a:ext cx="659186" cy="659186"/>
           </a:xfrm>
           <a:custGeom>
@@ -26238,7 +26374,7 @@
         </p:nvSpPr>
         <p:spPr>
           <a:xfrm>
-            <a:off x="949542" y="2220830"/>
+            <a:off x="915252" y="2217655"/>
             <a:ext cx="282508" cy="282508"/>
           </a:xfrm>
           <a:custGeom>
@@ -26363,7 +26499,7 @@
         </p:nvSpPr>
         <p:spPr>
           <a:xfrm>
-            <a:off x="1608728" y="2032491"/>
+            <a:off x="1574438" y="2029316"/>
             <a:ext cx="9240377" cy="376678"/>
           </a:xfrm>
           <a:prstGeom prst="rect">
@@ -26403,7 +26539,7 @@
         </p:nvSpPr>
         <p:spPr>
           <a:xfrm>
-            <a:off x="1608728" y="2550423"/>
+            <a:off x="1574438" y="2547248"/>
             <a:ext cx="9205063" cy="694500"/>
           </a:xfrm>
           <a:prstGeom prst="rect">
@@ -26526,7 +26662,7 @@
         </p:nvSpPr>
         <p:spPr>
           <a:xfrm>
-            <a:off x="474771" y="3721655"/>
+            <a:off x="474771" y="4123610"/>
             <a:ext cx="10519511" cy="2126660"/>
           </a:xfrm>
           <a:custGeom>
@@ -26609,7 +26745,7 @@
         </p:nvSpPr>
         <p:spPr>
           <a:xfrm>
-            <a:off x="761203" y="4008087"/>
+            <a:off x="761203" y="4410042"/>
             <a:ext cx="659186" cy="659186"/>
           </a:xfrm>
           <a:custGeom>
@@ -26674,7 +26810,7 @@
         </p:nvSpPr>
         <p:spPr>
           <a:xfrm>
-            <a:off x="949542" y="4196426"/>
+            <a:off x="949542" y="4598381"/>
             <a:ext cx="282508" cy="282508"/>
           </a:xfrm>
           <a:custGeom>
@@ -26808,7 +26944,7 @@
         </p:nvSpPr>
         <p:spPr>
           <a:xfrm>
-            <a:off x="1608728" y="4008087"/>
+            <a:off x="1608728" y="4410042"/>
             <a:ext cx="9240377" cy="376678"/>
           </a:xfrm>
           <a:prstGeom prst="rect">
@@ -26848,7 +26984,7 @@
         </p:nvSpPr>
         <p:spPr>
           <a:xfrm>
-            <a:off x="1608728" y="4526019"/>
+            <a:off x="1608728" y="4927974"/>
             <a:ext cx="9205063" cy="1035864"/>
           </a:xfrm>
           <a:prstGeom prst="rect">
@@ -26932,7 +27068,7 @@
         </p:nvSpPr>
         <p:spPr>
           <a:xfrm>
-            <a:off x="474771" y="6041559"/>
+            <a:off x="474771" y="6845469"/>
             <a:ext cx="10519511" cy="1785296"/>
           </a:xfrm>
           <a:custGeom>
@@ -27015,7 +27151,7 @@
         </p:nvSpPr>
         <p:spPr>
           <a:xfrm>
-            <a:off x="761203" y="6327992"/>
+            <a:off x="761203" y="7131902"/>
             <a:ext cx="659186" cy="659186"/>
           </a:xfrm>
           <a:custGeom>
@@ -27080,7 +27216,7 @@
         </p:nvSpPr>
         <p:spPr>
           <a:xfrm>
-            <a:off x="931885" y="6516331"/>
+            <a:off x="931885" y="7320241"/>
             <a:ext cx="317822" cy="282508"/>
           </a:xfrm>
           <a:custGeom>
@@ -27261,7 +27397,7 @@
         </p:nvSpPr>
         <p:spPr>
           <a:xfrm>
-            <a:off x="1608728" y="6327992"/>
+            <a:off x="1608728" y="7131902"/>
             <a:ext cx="9240377" cy="376678"/>
           </a:xfrm>
           <a:prstGeom prst="rect">
@@ -27301,7 +27437,7 @@
         </p:nvSpPr>
         <p:spPr>
           <a:xfrm>
-            <a:off x="1608728" y="6845924"/>
+            <a:off x="1608728" y="7649834"/>
             <a:ext cx="9205063" cy="694500"/>
           </a:xfrm>
           <a:prstGeom prst="rect">
@@ -27398,7 +27534,7 @@
         </p:nvSpPr>
         <p:spPr>
           <a:xfrm>
-            <a:off x="11272149" y="1102803"/>
+            <a:off x="11272149" y="1300923"/>
             <a:ext cx="4504438" cy="4810489"/>
           </a:xfrm>
           <a:custGeom>
@@ -27793,8 +27929,8 @@
         </p:nvSpPr>
         <p:spPr>
           <a:xfrm>
-            <a:off x="11558581" y="4119169"/>
-            <a:ext cx="1636194" cy="329593"/>
+            <a:off x="11558270" y="3921125"/>
+            <a:ext cx="3902075" cy="625475"/>
           </a:xfrm>
           <a:prstGeom prst="rect">
             <a:avLst/>
@@ -27811,19 +27947,38 @@
               </a:lnSpc>
             </a:pPr>
             <a:r>
-              <a:rPr lang="en-US" sz="1670" dirty="0">
+              <a:rPr lang="zh-CN" altLang="en-US" sz="2400" b="1" dirty="0">
                 <a:solidFill>
-                  <a:srgbClr val="E0E2E6">
-                    <a:alpha val="80000"/>
-                  </a:srgbClr>
+                  <a:srgbClr val="3D8F8A"/>
                 </a:solidFill>
-                <a:latin typeface="MiSans" pitchFamily="34" charset="-122"/>
-                <a:ea typeface="MiSans" pitchFamily="34" charset="-122"/>
-                <a:cs typeface="MiSans" pitchFamily="34" charset="-120"/>
+                <a:latin typeface="微软雅黑" panose="020B0503020204020204" charset="-122"/>
+                <a:ea typeface="微软雅黑" panose="020B0503020204020204" charset="-122"/>
+                <a:cs typeface="阿里妈妈数黑体" pitchFamily="34" charset="-120"/>
               </a:rPr>
-              <a:t>Python项目占比</a:t>
+              <a:t>Python项目</a:t>
             </a:r>
-            <a:endParaRPr lang="en-US" sz="1600" dirty="0"/>
+            <a:r>
+              <a:rPr lang="zh-CN" altLang="en-US" sz="2400" b="1" dirty="0">
+                <a:solidFill>
+                  <a:srgbClr val="3D8F8A"/>
+                </a:solidFill>
+                <a:latin typeface="微软雅黑" panose="020B0503020204020204" charset="-122"/>
+                <a:ea typeface="微软雅黑" panose="020B0503020204020204" charset="-122"/>
+                <a:cs typeface="阿里妈妈数黑体" pitchFamily="34" charset="-120"/>
+                <a:sym typeface="+mn-ea"/>
+              </a:rPr>
+              <a:t>占据主导地位</a:t>
+            </a:r>
+            <a:endParaRPr lang="en-US" sz="2400" dirty="0">
+              <a:solidFill>
+                <a:srgbClr val="E0E2E6">
+                  <a:alpha val="80000"/>
+                </a:srgbClr>
+              </a:solidFill>
+              <a:latin typeface="MiSans" pitchFamily="34" charset="-122"/>
+              <a:ea typeface="MiSans" pitchFamily="34" charset="-122"/>
+              <a:cs typeface="MiSans" pitchFamily="34" charset="-120"/>
+            </a:endParaRPr>
           </a:p>
         </p:txBody>
       </p:sp>
@@ -27852,17 +28007,6 @@
                 <a:spcPct val="100000"/>
               </a:lnSpc>
             </a:pPr>
-            <a:r>
-              <a:rPr lang="zh-CN" altLang="en-US" sz="2400" b="1" dirty="0">
-                <a:solidFill>
-                  <a:srgbClr val="3D8F8A"/>
-                </a:solidFill>
-                <a:latin typeface="微软雅黑" panose="020B0503020204020204" charset="-122"/>
-                <a:ea typeface="微软雅黑" panose="020B0503020204020204" charset="-122"/>
-                <a:cs typeface="阿里妈妈数黑体" pitchFamily="34" charset="-120"/>
-              </a:rPr>
-              <a:t>占据主导地位</a:t>
-            </a:r>
             <a:endParaRPr lang="zh-CN" altLang="en-US" sz="2400" b="1" dirty="0">
               <a:solidFill>
                 <a:srgbClr val="3D8F8A"/>
@@ -28011,8 +28155,8 @@
         </p:nvSpPr>
         <p:spPr>
           <a:xfrm>
-            <a:off x="11272149" y="6107641"/>
-            <a:ext cx="4504438" cy="2644592"/>
+            <a:off x="11271885" y="6236335"/>
+            <a:ext cx="4504690" cy="2400300"/>
           </a:xfrm>
           <a:custGeom>
             <a:avLst/>
@@ -31497,8 +31641,20 @@
                 <a:latin typeface="阿里妈妈数黑体" pitchFamily="34" charset="-122"/>
                 <a:ea typeface="阿里妈妈数黑体" pitchFamily="34" charset="-122"/>
                 <a:cs typeface="阿里妈妈数黑体" pitchFamily="34" charset="-120"/>
+                <a:sym typeface="+mn-ea"/>
               </a:rPr>
-              <a:t>与比赛核心要求高度契合</a:t>
+              <a:t>高度契合</a:t>
+            </a:r>
+            <a:r>
+              <a:rPr lang="en-US" sz="2600" b="1" dirty="0">
+                <a:solidFill>
+                  <a:srgbClr val="E0E2E6"/>
+                </a:solidFill>
+                <a:latin typeface="阿里妈妈数黑体" pitchFamily="34" charset="-122"/>
+                <a:ea typeface="阿里妈妈数黑体" pitchFamily="34" charset="-122"/>
+                <a:cs typeface="阿里妈妈数黑体" pitchFamily="34" charset="-120"/>
+              </a:rPr>
+              <a:t>比赛核心要求</a:t>
             </a:r>
             <a:endParaRPr lang="en-US" sz="1600" dirty="0"/>
           </a:p>
@@ -32381,9 +32537,9 @@
         <p:grpSpPr>
           <a:xfrm>
             <a:off x="9336405" y="1586865"/>
-            <a:ext cx="5581650" cy="2284730"/>
+            <a:ext cx="5581650" cy="2285365"/>
             <a:chOff x="14578" y="10471"/>
-            <a:chExt cx="8790" cy="3598"/>
+            <a:chExt cx="8790" cy="3599"/>
           </a:xfrm>
         </p:grpSpPr>
         <p:sp>
@@ -32675,7 +32831,7 @@
           </p:nvSpPr>
           <p:spPr>
             <a:xfrm>
-              <a:off x="15368" y="10860"/>
+              <a:off x="15599" y="10783"/>
               <a:ext cx="7769" cy="448"/>
             </a:xfrm>
             <a:prstGeom prst="rect">
@@ -32693,7 +32849,7 @@
                 </a:lnSpc>
               </a:pPr>
               <a:r>
-                <a:rPr lang="en-US" sz="1735" b="1" dirty="0">
+                <a:rPr lang="en-US" sz="2400" b="1" dirty="0">
                   <a:solidFill>
                     <a:srgbClr val="E0E2E6"/>
                   </a:solidFill>
@@ -32703,7 +32859,14 @@
                 </a:rPr>
                 <a:t>目标用户群体</a:t>
               </a:r>
-              <a:endParaRPr lang="en-US" sz="1600" dirty="0"/>
+              <a:endParaRPr lang="en-US" sz="2400" b="1" dirty="0">
+                <a:solidFill>
+                  <a:srgbClr val="E0E2E6"/>
+                </a:solidFill>
+                <a:latin typeface="阿里妈妈数黑体" pitchFamily="34" charset="-122"/>
+                <a:ea typeface="阿里妈妈数黑体" pitchFamily="34" charset="-122"/>
+                <a:cs typeface="阿里妈妈数黑体" pitchFamily="34" charset="-120"/>
+              </a:endParaRPr>
             </a:p>
           </p:txBody>
         </p:sp>
@@ -48631,13 +48794,13 @@
 
 <file path=ppt/tags/tag1.xml><?xml version="1.0" encoding="utf-8"?>
 <p:tagLst xmlns:p="http://schemas.openxmlformats.org/presentationml/2006/main">
-  <p:tag name="KSO_WM_DIAGRAM_VIRTUALLY_FRAME" val="{&quot;height&quot;:524,&quot;left&quot;:31.5,&quot;top&quot;:156,&quot;width&quot;:1208.5}"/>
+  <p:tag name="KSO_WM_DIAGRAM_VIRTUALLY_FRAME" val="{&quot;height&quot;:109.15,&quot;left&quot;:40,&quot;top&quot;:413.08338582677163,&quot;width&quot;:460.45834645669294}"/>
 </p:tagLst>
 </file>
 
 <file path=ppt/tags/tag10.xml><?xml version="1.0" encoding="utf-8"?>
 <p:tagLst xmlns:p="http://schemas.openxmlformats.org/presentationml/2006/main">
-  <p:tag name="KSO_WM_DIAGRAM_VIRTUALLY_FRAME" val="{&quot;height&quot;:524,&quot;left&quot;:42,&quot;top&quot;:156,&quot;width&quot;:1198}"/>
+  <p:tag name="KSO_WM_DIAGRAM_VIRTUALLY_FRAME" val="{&quot;height&quot;:109.15,&quot;left&quot;:40,&quot;top&quot;:413.08338582677163,&quot;width&quot;:460.45834645669294}"/>
 </p:tagLst>
 </file>
 
@@ -48703,7 +48866,7 @@
 
 <file path=ppt/tags/tag11.xml><?xml version="1.0" encoding="utf-8"?>
 <p:tagLst xmlns:p="http://schemas.openxmlformats.org/presentationml/2006/main">
-  <p:tag name="KSO_WM_DIAGRAM_VIRTUALLY_FRAME" val="{&quot;height&quot;:524,&quot;left&quot;:42,&quot;top&quot;:156,&quot;width&quot;:1198}"/>
+  <p:tag name="KSO_WM_DIAGRAM_VIRTUALLY_FRAME" val="{&quot;height&quot;:109.15,&quot;left&quot;:40,&quot;top&quot;:413.08338582677163,&quot;width&quot;:460.45834645669294}"/>
 </p:tagLst>
 </file>
 
@@ -48743,69 +48906,147 @@
 </p:tagLst>
 </file>
 
+<file path=ppt/tags/tag116.xml><?xml version="1.0" encoding="utf-8"?>
+<p:tagLst xmlns:p="http://schemas.openxmlformats.org/presentationml/2006/main">
+  <p:tag name="KSO_WM_DIAGRAM_VIRTUALLY_FRAME" val="{&quot;height&quot;:611.6333070866142,&quot;left&quot;:61.8,&quot;top&quot;:121.7,&quot;width&quot;:1221.9791381835937}"/>
+</p:tagLst>
+</file>
+
+<file path=ppt/tags/tag117.xml><?xml version="1.0" encoding="utf-8"?>
+<p:tagLst xmlns:p="http://schemas.openxmlformats.org/presentationml/2006/main">
+  <p:tag name="KSO_WM_DIAGRAM_VIRTUALLY_FRAME" val="{&quot;height&quot;:611.6333070866142,&quot;left&quot;:61.8,&quot;top&quot;:121.7,&quot;width&quot;:1221.9791381835937}"/>
+</p:tagLst>
+</file>
+
+<file path=ppt/tags/tag118.xml><?xml version="1.0" encoding="utf-8"?>
+<p:tagLst xmlns:p="http://schemas.openxmlformats.org/presentationml/2006/main">
+  <p:tag name="KSO_WM_DIAGRAM_VIRTUALLY_FRAME" val="{&quot;height&quot;:611.6333070866142,&quot;left&quot;:61.8,&quot;top&quot;:121.7,&quot;width&quot;:1221.9791381835937}"/>
+</p:tagLst>
+</file>
+
+<file path=ppt/tags/tag119.xml><?xml version="1.0" encoding="utf-8"?>
+<p:tagLst xmlns:p="http://schemas.openxmlformats.org/presentationml/2006/main">
+  <p:tag name="KSO_WM_DIAGRAM_VIRTUALLY_FRAME" val="{&quot;height&quot;:611.6333070866142,&quot;left&quot;:61.8,&quot;top&quot;:121.7,&quot;width&quot;:1221.9791381835937}"/>
+</p:tagLst>
+</file>
+
 <file path=ppt/tags/tag12.xml><?xml version="1.0" encoding="utf-8"?>
 <p:tagLst xmlns:p="http://schemas.openxmlformats.org/presentationml/2006/main">
-  <p:tag name="KSO_WM_DIAGRAM_VIRTUALLY_FRAME" val="{&quot;height&quot;:524,&quot;left&quot;:42,&quot;top&quot;:156,&quot;width&quot;:1198}"/>
+  <p:tag name="KSO_WM_DIAGRAM_VIRTUALLY_FRAME" val="{&quot;height&quot;:109.15,&quot;left&quot;:40,&quot;top&quot;:413.08338582677163,&quot;width&quot;:460.45834645669294}"/>
+</p:tagLst>
+</file>
+
+<file path=ppt/tags/tag120.xml><?xml version="1.0" encoding="utf-8"?>
+<p:tagLst xmlns:p="http://schemas.openxmlformats.org/presentationml/2006/main">
+  <p:tag name="KSO_WM_DIAGRAM_VIRTUALLY_FRAME" val="{&quot;height&quot;:611.6333070866142,&quot;left&quot;:61.8,&quot;top&quot;:121.7,&quot;width&quot;:1221.9791381835937}"/>
+</p:tagLst>
+</file>
+
+<file path=ppt/tags/tag121.xml><?xml version="1.0" encoding="utf-8"?>
+<p:tagLst xmlns:p="http://schemas.openxmlformats.org/presentationml/2006/main">
+  <p:tag name="KSO_WM_DIAGRAM_VIRTUALLY_FRAME" val="{&quot;height&quot;:611.6333070866142,&quot;left&quot;:61.8,&quot;top&quot;:121.7,&quot;width&quot;:1221.9791381835937}"/>
+</p:tagLst>
+</file>
+
+<file path=ppt/tags/tag122.xml><?xml version="1.0" encoding="utf-8"?>
+<p:tagLst xmlns:p="http://schemas.openxmlformats.org/presentationml/2006/main">
+  <p:tag name="KSO_WM_DIAGRAM_VIRTUALLY_FRAME" val="{&quot;height&quot;:611.6333070866142,&quot;left&quot;:61.8,&quot;top&quot;:121.7,&quot;width&quot;:1221.9791381835937}"/>
+</p:tagLst>
+</file>
+
+<file path=ppt/tags/tag123.xml><?xml version="1.0" encoding="utf-8"?>
+<p:tagLst xmlns:p="http://schemas.openxmlformats.org/presentationml/2006/main">
+  <p:tag name="KSO_WM_DIAGRAM_VIRTUALLY_FRAME" val="{&quot;height&quot;:611.6333070866142,&quot;left&quot;:61.8,&quot;top&quot;:121.7,&quot;width&quot;:1221.9791381835937}"/>
+</p:tagLst>
+</file>
+
+<file path=ppt/tags/tag124.xml><?xml version="1.0" encoding="utf-8"?>
+<p:tagLst xmlns:p="http://schemas.openxmlformats.org/presentationml/2006/main">
+  <p:tag name="KSO_WM_DIAGRAM_VIRTUALLY_FRAME" val="{&quot;height&quot;:611.6333070866142,&quot;left&quot;:61.8,&quot;top&quot;:121.7,&quot;width&quot;:1221.9791381835937}"/>
+</p:tagLst>
+</file>
+
+<file path=ppt/tags/tag125.xml><?xml version="1.0" encoding="utf-8"?>
+<p:tagLst xmlns:p="http://schemas.openxmlformats.org/presentationml/2006/main">
+  <p:tag name="KSO_WM_DIAGRAM_VIRTUALLY_FRAME" val="{&quot;height&quot;:611.6333070866142,&quot;left&quot;:61.8,&quot;top&quot;:121.7,&quot;width&quot;:1221.9791381835937}"/>
+</p:tagLst>
+</file>
+
+<file path=ppt/tags/tag126.xml><?xml version="1.0" encoding="utf-8"?>
+<p:tagLst xmlns:p="http://schemas.openxmlformats.org/presentationml/2006/main">
+  <p:tag name="KSO_WM_DIAGRAM_VIRTUALLY_FRAME" val="{&quot;height&quot;:611.6333070866142,&quot;left&quot;:61.8,&quot;top&quot;:121.7,&quot;width&quot;:1221.9791381835937}"/>
+</p:tagLst>
+</file>
+
+<file path=ppt/tags/tag127.xml><?xml version="1.0" encoding="utf-8"?>
+<p:tagLst xmlns:p="http://schemas.openxmlformats.org/presentationml/2006/main">
+  <p:tag name="KSO_WM_DIAGRAM_VIRTUALLY_FRAME" val="{&quot;height&quot;:611.6333070866142,&quot;left&quot;:61.8,&quot;top&quot;:121.7,&quot;width&quot;:1221.9791381835937}"/>
+</p:tagLst>
+</file>
+
+<file path=ppt/tags/tag128.xml><?xml version="1.0" encoding="utf-8"?>
+<p:tagLst xmlns:p="http://schemas.openxmlformats.org/presentationml/2006/main">
+  <p:tag name="KSO_WM_DIAGRAM_VIRTUALLY_FRAME" val="{&quot;height&quot;:611.6333070866142,&quot;left&quot;:61.8,&quot;top&quot;:121.7,&quot;width&quot;:1221.9791381835937}"/>
 </p:tagLst>
 </file>
 
 <file path=ppt/tags/tag13.xml><?xml version="1.0" encoding="utf-8"?>
 <p:tagLst xmlns:p="http://schemas.openxmlformats.org/presentationml/2006/main">
-  <p:tag name="KSO_WM_DIAGRAM_VIRTUALLY_FRAME" val="{&quot;height&quot;:524,&quot;left&quot;:42,&quot;top&quot;:156,&quot;width&quot;:1198}"/>
+  <p:tag name="KSO_WM_DIAGRAM_VIRTUALLY_FRAME" val="{&quot;height&quot;:109.15,&quot;left&quot;:40,&quot;top&quot;:413.08338582677163,&quot;width&quot;:460.45834645669294}"/>
 </p:tagLst>
 </file>
 
 <file path=ppt/tags/tag14.xml><?xml version="1.0" encoding="utf-8"?>
 <p:tagLst xmlns:p="http://schemas.openxmlformats.org/presentationml/2006/main">
-  <p:tag name="KSO_WM_DIAGRAM_VIRTUALLY_FRAME" val="{&quot;height&quot;:524,&quot;left&quot;:42,&quot;top&quot;:156,&quot;width&quot;:1198}"/>
+  <p:tag name="KSO_WM_DIAGRAM_VIRTUALLY_FRAME" val="{&quot;height&quot;:524,&quot;left&quot;:31.5,&quot;top&quot;:156,&quot;width&quot;:1208.5}"/>
 </p:tagLst>
 </file>
 
 <file path=ppt/tags/tag15.xml><?xml version="1.0" encoding="utf-8"?>
 <p:tagLst xmlns:p="http://schemas.openxmlformats.org/presentationml/2006/main">
-  <p:tag name="KSO_WM_DIAGRAM_VIRTUALLY_FRAME" val="{&quot;height&quot;:524,&quot;left&quot;:42,&quot;top&quot;:156,&quot;width&quot;:1198}"/>
+  <p:tag name="KSO_WM_DIAGRAM_VIRTUALLY_FRAME" val="{&quot;height&quot;:524,&quot;left&quot;:31.5,&quot;top&quot;:156,&quot;width&quot;:1208.5}"/>
 </p:tagLst>
 </file>
 
 <file path=ppt/tags/tag16.xml><?xml version="1.0" encoding="utf-8"?>
 <p:tagLst xmlns:p="http://schemas.openxmlformats.org/presentationml/2006/main">
-  <p:tag name="KSO_WM_DIAGRAM_VIRTUALLY_FRAME" val="{&quot;height&quot;:524,&quot;left&quot;:42,&quot;top&quot;:156,&quot;width&quot;:1198}"/>
+  <p:tag name="KSO_WM_DIAGRAM_VIRTUALLY_FRAME" val="{&quot;height&quot;:524,&quot;left&quot;:31.5,&quot;top&quot;:156,&quot;width&quot;:1208.5}"/>
 </p:tagLst>
 </file>
 
 <file path=ppt/tags/tag17.xml><?xml version="1.0" encoding="utf-8"?>
 <p:tagLst xmlns:p="http://schemas.openxmlformats.org/presentationml/2006/main">
-  <p:tag name="KSO_WM_DIAGRAM_VIRTUALLY_FRAME" val="{&quot;height&quot;:524,&quot;left&quot;:42,&quot;top&quot;:156,&quot;width&quot;:1198}"/>
+  <p:tag name="KSO_WM_DIAGRAM_VIRTUALLY_FRAME" val="{&quot;height&quot;:524,&quot;left&quot;:31.5,&quot;top&quot;:156,&quot;width&quot;:1208.5}"/>
 </p:tagLst>
 </file>
 
 <file path=ppt/tags/tag18.xml><?xml version="1.0" encoding="utf-8"?>
 <p:tagLst xmlns:p="http://schemas.openxmlformats.org/presentationml/2006/main">
-  <p:tag name="KSO_WM_DIAGRAM_VIRTUALLY_FRAME" val="{&quot;height&quot;:524,&quot;left&quot;:42,&quot;top&quot;:156,&quot;width&quot;:1198}"/>
+  <p:tag name="KSO_WM_DIAGRAM_VIRTUALLY_FRAME" val="{&quot;height&quot;:524,&quot;left&quot;:31.5,&quot;top&quot;:156,&quot;width&quot;:1208.5}"/>
 </p:tagLst>
 </file>
 
 <file path=ppt/tags/tag19.xml><?xml version="1.0" encoding="utf-8"?>
 <p:tagLst xmlns:p="http://schemas.openxmlformats.org/presentationml/2006/main">
-  <p:tag name="KSO_WM_DIAGRAM_VIRTUALLY_FRAME" val="{&quot;height&quot;:524,&quot;left&quot;:42,&quot;top&quot;:156,&quot;width&quot;:1198}"/>
+  <p:tag name="KSO_WM_DIAGRAM_VIRTUALLY_FRAME" val="{&quot;height&quot;:524,&quot;left&quot;:31.5,&quot;top&quot;:156,&quot;width&quot;:1208.5}"/>
 </p:tagLst>
 </file>
 
 <file path=ppt/tags/tag2.xml><?xml version="1.0" encoding="utf-8"?>
 <p:tagLst xmlns:p="http://schemas.openxmlformats.org/presentationml/2006/main">
-  <p:tag name="KSO_WM_DIAGRAM_VIRTUALLY_FRAME" val="{&quot;height&quot;:524,&quot;left&quot;:31.5,&quot;top&quot;:156,&quot;width&quot;:1208.5}"/>
+  <p:tag name="KSO_WM_DIAGRAM_VIRTUALLY_FRAME" val="{&quot;height&quot;:109.15,&quot;left&quot;:40,&quot;top&quot;:413.08338582677163,&quot;width&quot;:460.45834645669294}"/>
 </p:tagLst>
 </file>
 
 <file path=ppt/tags/tag20.xml><?xml version="1.0" encoding="utf-8"?>
 <p:tagLst xmlns:p="http://schemas.openxmlformats.org/presentationml/2006/main">
-  <p:tag name="KSO_WM_DIAGRAM_VIRTUALLY_FRAME" val="{&quot;height&quot;:524,&quot;left&quot;:42,&quot;top&quot;:156,&quot;width&quot;:1198}"/>
+  <p:tag name="KSO_WM_DIAGRAM_VIRTUALLY_FRAME" val="{&quot;height&quot;:524,&quot;left&quot;:31.5,&quot;top&quot;:156,&quot;width&quot;:1208.5}"/>
 </p:tagLst>
 </file>
 
 <file path=ppt/tags/tag21.xml><?xml version="1.0" encoding="utf-8"?>
 <p:tagLst xmlns:p="http://schemas.openxmlformats.org/presentationml/2006/main">
-  <p:tag name="KSO_WM_DIAGRAM_VIRTUALLY_FRAME" val="{&quot;height&quot;:524,&quot;left&quot;:42,&quot;top&quot;:156,&quot;width&quot;:1198}"/>
+  <p:tag name="KSO_WM_DIAGRAM_VIRTUALLY_FRAME" val="{&quot;height&quot;:524,&quot;left&quot;:31.5,&quot;top&quot;:156,&quot;width&quot;:1208.5}"/>
 </p:tagLst>
 </file>
 
@@ -48859,7 +49100,7 @@
 
 <file path=ppt/tags/tag3.xml><?xml version="1.0" encoding="utf-8"?>
 <p:tagLst xmlns:p="http://schemas.openxmlformats.org/presentationml/2006/main">
-  <p:tag name="KSO_WM_DIAGRAM_VIRTUALLY_FRAME" val="{&quot;height&quot;:524,&quot;left&quot;:31.5,&quot;top&quot;:156,&quot;width&quot;:1208.5}"/>
+  <p:tag name="KSO_WM_DIAGRAM_VIRTUALLY_FRAME" val="{&quot;height&quot;:109.15,&quot;left&quot;:40,&quot;top&quot;:413.08338582677163,&quot;width&quot;:460.45834645669294}"/>
 </p:tagLst>
 </file>
 
@@ -48919,103 +49160,103 @@
 
 <file path=ppt/tags/tag39.xml><?xml version="1.0" encoding="utf-8"?>
 <p:tagLst xmlns:p="http://schemas.openxmlformats.org/presentationml/2006/main">
-  <p:tag name="KSO_WM_DIAGRAM_VIRTUALLY_FRAME" val="{&quot;height&quot;:528.9381889763779,&quot;left&quot;:35,&quot;top&quot;:136.45,&quot;width&quot;:1211.7}"/>
+  <p:tag name="KSO_WM_DIAGRAM_VIRTUALLY_FRAME" val="{&quot;height&quot;:524,&quot;left&quot;:42,&quot;top&quot;:156,&quot;width&quot;:1198}"/>
 </p:tagLst>
 </file>
 
 <file path=ppt/tags/tag4.xml><?xml version="1.0" encoding="utf-8"?>
 <p:tagLst xmlns:p="http://schemas.openxmlformats.org/presentationml/2006/main">
-  <p:tag name="KSO_WM_DIAGRAM_VIRTUALLY_FRAME" val="{&quot;height&quot;:524,&quot;left&quot;:31.5,&quot;top&quot;:156,&quot;width&quot;:1208.5}"/>
+  <p:tag name="KSO_WM_DIAGRAM_VIRTUALLY_FRAME" val="{&quot;height&quot;:109.15,&quot;left&quot;:40,&quot;top&quot;:413.08338582677163,&quot;width&quot;:460.45834645669294}"/>
 </p:tagLst>
 </file>
 
 <file path=ppt/tags/tag40.xml><?xml version="1.0" encoding="utf-8"?>
 <p:tagLst xmlns:p="http://schemas.openxmlformats.org/presentationml/2006/main">
-  <p:tag name="KSO_WM_DIAGRAM_VIRTUALLY_FRAME" val="{&quot;height&quot;:528.9381889763779,&quot;left&quot;:33.35,&quot;top&quot;:136.45,&quot;width&quot;:1213.35}"/>
+  <p:tag name="KSO_WM_DIAGRAM_VIRTUALLY_FRAME" val="{&quot;height&quot;:524,&quot;left&quot;:42,&quot;top&quot;:156,&quot;width&quot;:1198}"/>
 </p:tagLst>
 </file>
 
 <file path=ppt/tags/tag41.xml><?xml version="1.0" encoding="utf-8"?>
 <p:tagLst xmlns:p="http://schemas.openxmlformats.org/presentationml/2006/main">
-  <p:tag name="KSO_WM_DIAGRAM_VIRTUALLY_FRAME" val="{&quot;height&quot;:528.9381889763779,&quot;left&quot;:33.35,&quot;top&quot;:136.45,&quot;width&quot;:1213.35}"/>
+  <p:tag name="KSO_WM_DIAGRAM_VIRTUALLY_FRAME" val="{&quot;height&quot;:524,&quot;left&quot;:42,&quot;top&quot;:156,&quot;width&quot;:1198}"/>
 </p:tagLst>
 </file>
 
 <file path=ppt/tags/tag42.xml><?xml version="1.0" encoding="utf-8"?>
 <p:tagLst xmlns:p="http://schemas.openxmlformats.org/presentationml/2006/main">
-  <p:tag name="KSO_WM_DIAGRAM_VIRTUALLY_FRAME" val="{&quot;height&quot;:528.9381889763779,&quot;left&quot;:33.35,&quot;top&quot;:136.45,&quot;width&quot;:1213.35}"/>
+  <p:tag name="KSO_WM_DIAGRAM_VIRTUALLY_FRAME" val="{&quot;height&quot;:524,&quot;left&quot;:42,&quot;top&quot;:156,&quot;width&quot;:1198}"/>
 </p:tagLst>
 </file>
 
 <file path=ppt/tags/tag43.xml><?xml version="1.0" encoding="utf-8"?>
 <p:tagLst xmlns:p="http://schemas.openxmlformats.org/presentationml/2006/main">
-  <p:tag name="KSO_WM_DIAGRAM_VIRTUALLY_FRAME" val="{&quot;height&quot;:528.9381889763779,&quot;left&quot;:33.35,&quot;top&quot;:136.45,&quot;width&quot;:1213.35}"/>
+  <p:tag name="KSO_WM_DIAGRAM_VIRTUALLY_FRAME" val="{&quot;height&quot;:524,&quot;left&quot;:42,&quot;top&quot;:156,&quot;width&quot;:1198}"/>
 </p:tagLst>
 </file>
 
 <file path=ppt/tags/tag44.xml><?xml version="1.0" encoding="utf-8"?>
 <p:tagLst xmlns:p="http://schemas.openxmlformats.org/presentationml/2006/main">
-  <p:tag name="KSO_WM_DIAGRAM_VIRTUALLY_FRAME" val="{&quot;height&quot;:528.9381889763779,&quot;left&quot;:33.35,&quot;top&quot;:136.45,&quot;width&quot;:1213.35}"/>
+  <p:tag name="KSO_WM_DIAGRAM_VIRTUALLY_FRAME" val="{&quot;height&quot;:524,&quot;left&quot;:42,&quot;top&quot;:156,&quot;width&quot;:1198}"/>
 </p:tagLst>
 </file>
 
 <file path=ppt/tags/tag45.xml><?xml version="1.0" encoding="utf-8"?>
 <p:tagLst xmlns:p="http://schemas.openxmlformats.org/presentationml/2006/main">
-  <p:tag name="KSO_WM_DIAGRAM_VIRTUALLY_FRAME" val="{&quot;height&quot;:528.9381889763779,&quot;left&quot;:33.35,&quot;top&quot;:136.45,&quot;width&quot;:1213.35}"/>
+  <p:tag name="KSO_WM_DIAGRAM_VIRTUALLY_FRAME" val="{&quot;height&quot;:524,&quot;left&quot;:42,&quot;top&quot;:156,&quot;width&quot;:1198}"/>
 </p:tagLst>
 </file>
 
 <file path=ppt/tags/tag46.xml><?xml version="1.0" encoding="utf-8"?>
 <p:tagLst xmlns:p="http://schemas.openxmlformats.org/presentationml/2006/main">
-  <p:tag name="KSO_WM_DIAGRAM_VIRTUALLY_FRAME" val="{&quot;height&quot;:528.9381889763779,&quot;left&quot;:35,&quot;top&quot;:136.45,&quot;width&quot;:1211.7}"/>
+  <p:tag name="KSO_WM_DIAGRAM_VIRTUALLY_FRAME" val="{&quot;height&quot;:524,&quot;left&quot;:42,&quot;top&quot;:156,&quot;width&quot;:1198}"/>
 </p:tagLst>
 </file>
 
 <file path=ppt/tags/tag47.xml><?xml version="1.0" encoding="utf-8"?>
 <p:tagLst xmlns:p="http://schemas.openxmlformats.org/presentationml/2006/main">
-  <p:tag name="KSO_WM_DIAGRAM_VIRTUALLY_FRAME" val="{&quot;height&quot;:528.9381889763779,&quot;left&quot;:33.35,&quot;top&quot;:136.45,&quot;width&quot;:1213.35}"/>
+  <p:tag name="KSO_WM_DIAGRAM_VIRTUALLY_FRAME" val="{&quot;height&quot;:524,&quot;left&quot;:42,&quot;top&quot;:156,&quot;width&quot;:1198}"/>
 </p:tagLst>
 </file>
 
 <file path=ppt/tags/tag48.xml><?xml version="1.0" encoding="utf-8"?>
 <p:tagLst xmlns:p="http://schemas.openxmlformats.org/presentationml/2006/main">
-  <p:tag name="KSO_WM_DIAGRAM_VIRTUALLY_FRAME" val="{&quot;height&quot;:528.9381889763779,&quot;left&quot;:33.35,&quot;top&quot;:136.45,&quot;width&quot;:1213.35}"/>
+  <p:tag name="KSO_WM_DIAGRAM_VIRTUALLY_FRAME" val="{&quot;height&quot;:524,&quot;left&quot;:42,&quot;top&quot;:156,&quot;width&quot;:1198}"/>
 </p:tagLst>
 </file>
 
 <file path=ppt/tags/tag49.xml><?xml version="1.0" encoding="utf-8"?>
 <p:tagLst xmlns:p="http://schemas.openxmlformats.org/presentationml/2006/main">
-  <p:tag name="KSO_WM_DIAGRAM_VIRTUALLY_FRAME" val="{&quot;height&quot;:528.9381889763779,&quot;left&quot;:33.35,&quot;top&quot;:136.45,&quot;width&quot;:1213.35}"/>
+  <p:tag name="KSO_WM_DIAGRAM_VIRTUALLY_FRAME" val="{&quot;height&quot;:524,&quot;left&quot;:42,&quot;top&quot;:156,&quot;width&quot;:1198}"/>
 </p:tagLst>
 </file>
 
 <file path=ppt/tags/tag5.xml><?xml version="1.0" encoding="utf-8"?>
 <p:tagLst xmlns:p="http://schemas.openxmlformats.org/presentationml/2006/main">
-  <p:tag name="KSO_WM_DIAGRAM_VIRTUALLY_FRAME" val="{&quot;height&quot;:524,&quot;left&quot;:31.5,&quot;top&quot;:156,&quot;width&quot;:1208.5}"/>
+  <p:tag name="KSO_WM_DIAGRAM_VIRTUALLY_FRAME" val="{&quot;height&quot;:109.15,&quot;left&quot;:40,&quot;top&quot;:413.08338582677163,&quot;width&quot;:460.45834645669294}"/>
 </p:tagLst>
 </file>
 
 <file path=ppt/tags/tag50.xml><?xml version="1.0" encoding="utf-8"?>
 <p:tagLst xmlns:p="http://schemas.openxmlformats.org/presentationml/2006/main">
-  <p:tag name="KSO_WM_DIAGRAM_VIRTUALLY_FRAME" val="{&quot;height&quot;:528.9381889763779,&quot;left&quot;:33.35,&quot;top&quot;:136.45,&quot;width&quot;:1213.35}"/>
+  <p:tag name="KSO_WM_DIAGRAM_VIRTUALLY_FRAME" val="{&quot;height&quot;:524,&quot;left&quot;:42,&quot;top&quot;:156,&quot;width&quot;:1198}"/>
 </p:tagLst>
 </file>
 
 <file path=ppt/tags/tag51.xml><?xml version="1.0" encoding="utf-8"?>
 <p:tagLst xmlns:p="http://schemas.openxmlformats.org/presentationml/2006/main">
-  <p:tag name="KSO_WM_DIAGRAM_VIRTUALLY_FRAME" val="{&quot;height&quot;:528.9381889763779,&quot;left&quot;:33.35,&quot;top&quot;:136.45,&quot;width&quot;:1213.35}"/>
+  <p:tag name="KSO_WM_DIAGRAM_VIRTUALLY_FRAME" val="{&quot;height&quot;:524,&quot;left&quot;:42,&quot;top&quot;:156,&quot;width&quot;:1198}"/>
 </p:tagLst>
 </file>
 
 <file path=ppt/tags/tag52.xml><?xml version="1.0" encoding="utf-8"?>
 <p:tagLst xmlns:p="http://schemas.openxmlformats.org/presentationml/2006/main">
-  <p:tag name="KSO_WM_DIAGRAM_VIRTUALLY_FRAME" val="{&quot;height&quot;:528.9381889763779,&quot;left&quot;:33.35,&quot;top&quot;:136.45,&quot;width&quot;:1213.35}"/>
+  <p:tag name="KSO_WM_DIAGRAM_VIRTUALLY_FRAME" val="{&quot;height&quot;:528.9381889763779,&quot;left&quot;:35,&quot;top&quot;:136.45,&quot;width&quot;:1211.7}"/>
 </p:tagLst>
 </file>
 
 <file path=ppt/tags/tag53.xml><?xml version="1.0" encoding="utf-8"?>
 <p:tagLst xmlns:p="http://schemas.openxmlformats.org/presentationml/2006/main">
-  <p:tag name="KSO_WM_DIAGRAM_VIRTUALLY_FRAME" val="{&quot;height&quot;:528.9381889763779,&quot;left&quot;:35,&quot;top&quot;:136.45,&quot;width&quot;:1211.7}"/>
+  <p:tag name="KSO_WM_DIAGRAM_VIRTUALLY_FRAME" val="{&quot;height&quot;:528.9381889763779,&quot;left&quot;:33.35,&quot;top&quot;:136.45,&quot;width&quot;:1213.35}"/>
 </p:tagLst>
 </file>
 
@@ -49051,19 +49292,19 @@
 
 <file path=ppt/tags/tag59.xml><?xml version="1.0" encoding="utf-8"?>
 <p:tagLst xmlns:p="http://schemas.openxmlformats.org/presentationml/2006/main">
-  <p:tag name="KSO_WM_DIAGRAM_VIRTUALLY_FRAME" val="{&quot;height&quot;:528.9381889763779,&quot;left&quot;:33.35,&quot;top&quot;:136.45,&quot;width&quot;:1213.35}"/>
+  <p:tag name="KSO_WM_DIAGRAM_VIRTUALLY_FRAME" val="{&quot;height&quot;:528.9381889763779,&quot;left&quot;:35,&quot;top&quot;:136.45,&quot;width&quot;:1211.7}"/>
 </p:tagLst>
 </file>
 
 <file path=ppt/tags/tag6.xml><?xml version="1.0" encoding="utf-8"?>
 <p:tagLst xmlns:p="http://schemas.openxmlformats.org/presentationml/2006/main">
-  <p:tag name="KSO_WM_DIAGRAM_VIRTUALLY_FRAME" val="{&quot;height&quot;:524,&quot;left&quot;:31.5,&quot;top&quot;:156,&quot;width&quot;:1208.5}"/>
+  <p:tag name="KSO_WM_DIAGRAM_VIRTUALLY_FRAME" val="{&quot;height&quot;:109.15,&quot;left&quot;:40,&quot;top&quot;:413.08338582677163,&quot;width&quot;:460.45834645669294}"/>
 </p:tagLst>
 </file>
 
 <file path=ppt/tags/tag60.xml><?xml version="1.0" encoding="utf-8"?>
 <p:tagLst xmlns:p="http://schemas.openxmlformats.org/presentationml/2006/main">
-  <p:tag name="KSO_WM_DIAGRAM_VIRTUALLY_FRAME" val="{&quot;height&quot;:528.9381889763779,&quot;left&quot;:35,&quot;top&quot;:136.45,&quot;width&quot;:1211.7}"/>
+  <p:tag name="KSO_WM_DIAGRAM_VIRTUALLY_FRAME" val="{&quot;height&quot;:528.9381889763779,&quot;left&quot;:33.35,&quot;top&quot;:136.45,&quot;width&quot;:1213.35}"/>
 </p:tagLst>
 </file>
 
@@ -49099,13 +49340,13 @@
 
 <file path=ppt/tags/tag66.xml><?xml version="1.0" encoding="utf-8"?>
 <p:tagLst xmlns:p="http://schemas.openxmlformats.org/presentationml/2006/main">
-  <p:tag name="KSO_WM_DIAGRAM_VIRTUALLY_FRAME" val="{&quot;height&quot;:528.9381889763779,&quot;left&quot;:33.35,&quot;top&quot;:136.45,&quot;width&quot;:1213.35}"/>
+  <p:tag name="KSO_WM_DIAGRAM_VIRTUALLY_FRAME" val="{&quot;height&quot;:528.9381889763779,&quot;left&quot;:35,&quot;top&quot;:136.45,&quot;width&quot;:1211.7}"/>
 </p:tagLst>
 </file>
 
 <file path=ppt/tags/tag67.xml><?xml version="1.0" encoding="utf-8"?>
 <p:tagLst xmlns:p="http://schemas.openxmlformats.org/presentationml/2006/main">
-  <p:tag name="KSO_WM_DIAGRAM_VIRTUALLY_FRAME" val="{&quot;height&quot;:528.9381889763779,&quot;left&quot;:35,&quot;top&quot;:136.45,&quot;width&quot;:1211.7}"/>
+  <p:tag name="KSO_WM_DIAGRAM_VIRTUALLY_FRAME" val="{&quot;height&quot;:528.9381889763779,&quot;left&quot;:33.35,&quot;top&quot;:136.45,&quot;width&quot;:1213.35}"/>
 </p:tagLst>
 </file>
 
@@ -49123,7 +49364,7 @@
 
 <file path=ppt/tags/tag7.xml><?xml version="1.0" encoding="utf-8"?>
 <p:tagLst xmlns:p="http://schemas.openxmlformats.org/presentationml/2006/main">
-  <p:tag name="KSO_WM_DIAGRAM_VIRTUALLY_FRAME" val="{&quot;height&quot;:524,&quot;left&quot;:31.5,&quot;top&quot;:156,&quot;width&quot;:1208.5}"/>
+  <p:tag name="KSO_WM_DIAGRAM_VIRTUALLY_FRAME" val="{&quot;height&quot;:109.15,&quot;left&quot;:40,&quot;top&quot;:413.08338582677163,&quot;width&quot;:460.45834645669294}"/>
 </p:tagLst>
 </file>
 
@@ -49147,91 +49388,91 @@
 
 <file path=ppt/tags/tag73.xml><?xml version="1.0" encoding="utf-8"?>
 <p:tagLst xmlns:p="http://schemas.openxmlformats.org/presentationml/2006/main">
-  <p:tag name="KSO_WM_DIAGRAM_VIRTUALLY_FRAME" val="{&quot;height&quot;:528.9381889763779,&quot;left&quot;:33.35,&quot;top&quot;:136.45,&quot;width&quot;:1213.35}"/>
+  <p:tag name="KSO_WM_DIAGRAM_VIRTUALLY_FRAME" val="{&quot;height&quot;:528.9381889763779,&quot;left&quot;:35,&quot;top&quot;:136.45,&quot;width&quot;:1211.7}"/>
 </p:tagLst>
 </file>
 
 <file path=ppt/tags/tag74.xml><?xml version="1.0" encoding="utf-8"?>
 <p:tagLst xmlns:p="http://schemas.openxmlformats.org/presentationml/2006/main">
-  <p:tag name="KSO_WM_DIAGRAM_VIRTUALLY_FRAME" val="{&quot;height&quot;:611.6333070866142,&quot;left&quot;:61.8,&quot;top&quot;:121.7,&quot;width&quot;:1221.9791381835937}"/>
+  <p:tag name="KSO_WM_DIAGRAM_VIRTUALLY_FRAME" val="{&quot;height&quot;:528.9381889763779,&quot;left&quot;:33.35,&quot;top&quot;:136.45,&quot;width&quot;:1213.35}"/>
 </p:tagLst>
 </file>
 
 <file path=ppt/tags/tag75.xml><?xml version="1.0" encoding="utf-8"?>
 <p:tagLst xmlns:p="http://schemas.openxmlformats.org/presentationml/2006/main">
-  <p:tag name="KSO_WM_DIAGRAM_VIRTUALLY_FRAME" val="{&quot;height&quot;:611.6333070866142,&quot;left&quot;:61.8,&quot;top&quot;:121.7,&quot;width&quot;:1221.9791381835937}"/>
+  <p:tag name="KSO_WM_DIAGRAM_VIRTUALLY_FRAME" val="{&quot;height&quot;:528.9381889763779,&quot;left&quot;:33.35,&quot;top&quot;:136.45,&quot;width&quot;:1213.35}"/>
 </p:tagLst>
 </file>
 
 <file path=ppt/tags/tag76.xml><?xml version="1.0" encoding="utf-8"?>
 <p:tagLst xmlns:p="http://schemas.openxmlformats.org/presentationml/2006/main">
-  <p:tag name="KSO_WM_DIAGRAM_VIRTUALLY_FRAME" val="{&quot;height&quot;:611.6333070866142,&quot;left&quot;:61.8,&quot;top&quot;:121.7,&quot;width&quot;:1221.9791381835937}"/>
+  <p:tag name="KSO_WM_DIAGRAM_VIRTUALLY_FRAME" val="{&quot;height&quot;:528.9381889763779,&quot;left&quot;:33.35,&quot;top&quot;:136.45,&quot;width&quot;:1213.35}"/>
 </p:tagLst>
 </file>
 
 <file path=ppt/tags/tag77.xml><?xml version="1.0" encoding="utf-8"?>
 <p:tagLst xmlns:p="http://schemas.openxmlformats.org/presentationml/2006/main">
-  <p:tag name="KSO_WM_DIAGRAM_VIRTUALLY_FRAME" val="{&quot;height&quot;:611.6333070866142,&quot;left&quot;:61.8,&quot;top&quot;:121.7,&quot;width&quot;:1221.9791381835937}"/>
+  <p:tag name="KSO_WM_DIAGRAM_VIRTUALLY_FRAME" val="{&quot;height&quot;:528.9381889763779,&quot;left&quot;:33.35,&quot;top&quot;:136.45,&quot;width&quot;:1213.35}"/>
 </p:tagLst>
 </file>
 
 <file path=ppt/tags/tag78.xml><?xml version="1.0" encoding="utf-8"?>
 <p:tagLst xmlns:p="http://schemas.openxmlformats.org/presentationml/2006/main">
-  <p:tag name="KSO_WM_DIAGRAM_VIRTUALLY_FRAME" val="{&quot;height&quot;:611.6333070866142,&quot;left&quot;:61.8,&quot;top&quot;:121.7,&quot;width&quot;:1221.9791381835937}"/>
+  <p:tag name="KSO_WM_DIAGRAM_VIRTUALLY_FRAME" val="{&quot;height&quot;:528.9381889763779,&quot;left&quot;:33.35,&quot;top&quot;:136.45,&quot;width&quot;:1213.35}"/>
 </p:tagLst>
 </file>
 
 <file path=ppt/tags/tag79.xml><?xml version="1.0" encoding="utf-8"?>
 <p:tagLst xmlns:p="http://schemas.openxmlformats.org/presentationml/2006/main">
-  <p:tag name="KSO_WM_DIAGRAM_VIRTUALLY_FRAME" val="{&quot;height&quot;:611.6333070866142,&quot;left&quot;:61.8,&quot;top&quot;:121.7,&quot;width&quot;:1221.9791381835937}"/>
+  <p:tag name="KSO_WM_DIAGRAM_VIRTUALLY_FRAME" val="{&quot;height&quot;:528.9381889763779,&quot;left&quot;:33.35,&quot;top&quot;:136.45,&quot;width&quot;:1213.35}"/>
 </p:tagLst>
 </file>
 
 <file path=ppt/tags/tag8.xml><?xml version="1.0" encoding="utf-8"?>
 <p:tagLst xmlns:p="http://schemas.openxmlformats.org/presentationml/2006/main">
-  <p:tag name="KSO_WM_DIAGRAM_VIRTUALLY_FRAME" val="{&quot;height&quot;:524,&quot;left&quot;:31.5,&quot;top&quot;:156,&quot;width&quot;:1208.5}"/>
+  <p:tag name="KSO_WM_DIAGRAM_VIRTUALLY_FRAME" val="{&quot;height&quot;:109.15,&quot;left&quot;:40,&quot;top&quot;:413.08338582677163,&quot;width&quot;:460.45834645669294}"/>
 </p:tagLst>
 </file>
 
 <file path=ppt/tags/tag80.xml><?xml version="1.0" encoding="utf-8"?>
 <p:tagLst xmlns:p="http://schemas.openxmlformats.org/presentationml/2006/main">
-  <p:tag name="KSO_WM_DIAGRAM_VIRTUALLY_FRAME" val="{&quot;height&quot;:611.6333070866142,&quot;left&quot;:61.8,&quot;top&quot;:121.7,&quot;width&quot;:1221.9791381835937}"/>
+  <p:tag name="KSO_WM_DIAGRAM_VIRTUALLY_FRAME" val="{&quot;height&quot;:528.9381889763779,&quot;left&quot;:35,&quot;top&quot;:136.45,&quot;width&quot;:1211.7}"/>
 </p:tagLst>
 </file>
 
 <file path=ppt/tags/tag81.xml><?xml version="1.0" encoding="utf-8"?>
 <p:tagLst xmlns:p="http://schemas.openxmlformats.org/presentationml/2006/main">
-  <p:tag name="KSO_WM_DIAGRAM_VIRTUALLY_FRAME" val="{&quot;height&quot;:611.6333070866142,&quot;left&quot;:61.8,&quot;top&quot;:121.7,&quot;width&quot;:1221.9791381835937}"/>
+  <p:tag name="KSO_WM_DIAGRAM_VIRTUALLY_FRAME" val="{&quot;height&quot;:528.9381889763779,&quot;left&quot;:33.35,&quot;top&quot;:136.45,&quot;width&quot;:1213.35}"/>
 </p:tagLst>
 </file>
 
 <file path=ppt/tags/tag82.xml><?xml version="1.0" encoding="utf-8"?>
 <p:tagLst xmlns:p="http://schemas.openxmlformats.org/presentationml/2006/main">
-  <p:tag name="KSO_WM_DIAGRAM_VIRTUALLY_FRAME" val="{&quot;height&quot;:611.6333070866142,&quot;left&quot;:61.8,&quot;top&quot;:121.7,&quot;width&quot;:1221.9791381835937}"/>
+  <p:tag name="KSO_WM_DIAGRAM_VIRTUALLY_FRAME" val="{&quot;height&quot;:528.9381889763779,&quot;left&quot;:33.35,&quot;top&quot;:136.45,&quot;width&quot;:1213.35}"/>
 </p:tagLst>
 </file>
 
 <file path=ppt/tags/tag83.xml><?xml version="1.0" encoding="utf-8"?>
 <p:tagLst xmlns:p="http://schemas.openxmlformats.org/presentationml/2006/main">
-  <p:tag name="KSO_WM_DIAGRAM_VIRTUALLY_FRAME" val="{&quot;height&quot;:611.6333070866142,&quot;left&quot;:61.8,&quot;top&quot;:121.7,&quot;width&quot;:1221.9791381835937}"/>
+  <p:tag name="KSO_WM_DIAGRAM_VIRTUALLY_FRAME" val="{&quot;height&quot;:528.9381889763779,&quot;left&quot;:33.35,&quot;top&quot;:136.45,&quot;width&quot;:1213.35}"/>
 </p:tagLst>
 </file>
 
 <file path=ppt/tags/tag84.xml><?xml version="1.0" encoding="utf-8"?>
 <p:tagLst xmlns:p="http://schemas.openxmlformats.org/presentationml/2006/main">
-  <p:tag name="KSO_WM_DIAGRAM_VIRTUALLY_FRAME" val="{&quot;height&quot;:611.6333070866142,&quot;left&quot;:61.8,&quot;top&quot;:121.7,&quot;width&quot;:1221.9791381835937}"/>
+  <p:tag name="KSO_WM_DIAGRAM_VIRTUALLY_FRAME" val="{&quot;height&quot;:528.9381889763779,&quot;left&quot;:33.35,&quot;top&quot;:136.45,&quot;width&quot;:1213.35}"/>
 </p:tagLst>
 </file>
 
 <file path=ppt/tags/tag85.xml><?xml version="1.0" encoding="utf-8"?>
 <p:tagLst xmlns:p="http://schemas.openxmlformats.org/presentationml/2006/main">
-  <p:tag name="KSO_WM_DIAGRAM_VIRTUALLY_FRAME" val="{&quot;height&quot;:611.6333070866142,&quot;left&quot;:61.8,&quot;top&quot;:121.7,&quot;width&quot;:1221.9791381835937}"/>
+  <p:tag name="KSO_WM_DIAGRAM_VIRTUALLY_FRAME" val="{&quot;height&quot;:528.9381889763779,&quot;left&quot;:33.35,&quot;top&quot;:136.45,&quot;width&quot;:1213.35}"/>
 </p:tagLst>
 </file>
 
 <file path=ppt/tags/tag86.xml><?xml version="1.0" encoding="utf-8"?>
 <p:tagLst xmlns:p="http://schemas.openxmlformats.org/presentationml/2006/main">
-  <p:tag name="KSO_WM_DIAGRAM_VIRTUALLY_FRAME" val="{&quot;height&quot;:611.6333070866142,&quot;left&quot;:61.8,&quot;top&quot;:121.7,&quot;width&quot;:1221.9791381835937}"/>
+  <p:tag name="KSO_WM_DIAGRAM_VIRTUALLY_FRAME" val="{&quot;height&quot;:528.9381889763779,&quot;left&quot;:33.35,&quot;top&quot;:136.45,&quot;width&quot;:1213.35}"/>
 </p:tagLst>
 </file>
 
@@ -49255,7 +49496,7 @@
 
 <file path=ppt/tags/tag9.xml><?xml version="1.0" encoding="utf-8"?>
 <p:tagLst xmlns:p="http://schemas.openxmlformats.org/presentationml/2006/main">
-  <p:tag name="KSO_WM_DIAGRAM_VIRTUALLY_FRAME" val="{&quot;height&quot;:524,&quot;left&quot;:42,&quot;top&quot;:156,&quot;width&quot;:1198}"/>
+  <p:tag name="KSO_WM_DIAGRAM_VIRTUALLY_FRAME" val="{&quot;height&quot;:109.15,&quot;left&quot;:40,&quot;top&quot;:413.08338582677163,&quot;width&quot;:460.45834645669294}"/>
 </p:tagLst>
 </file>
 
